--- a/sourcecode/project/xmeeting/doc/前后台交互服务设计.pptx
+++ b/sourcecode/project/xmeeting/doc/前后台交互服务设计.pptx
@@ -5,13 +5,16 @@
     <p:sldMasterId id="2147483648" r:id="rId1"/>
   </p:sldMasterIdLst>
   <p:notesMasterIdLst>
-    <p:notesMasterId r:id="rId6"/>
+    <p:notesMasterId r:id="rId9"/>
   </p:notesMasterIdLst>
   <p:sldIdLst>
     <p:sldId id="256" r:id="rId2"/>
     <p:sldId id="257" r:id="rId3"/>
     <p:sldId id="258" r:id="rId4"/>
-    <p:sldId id="259" r:id="rId5"/>
+    <p:sldId id="260" r:id="rId5"/>
+    <p:sldId id="259" r:id="rId6"/>
+    <p:sldId id="261" r:id="rId7"/>
+    <p:sldId id="262" r:id="rId8"/>
   </p:sldIdLst>
   <p:sldSz cx="9144000" cy="6858000" type="screen4x3"/>
   <p:notesSz cx="6858000" cy="9144000"/>
@@ -196,7 +199,7 @@
             <a:fld id="{5A723B83-D08C-45CF-9490-089EDB871223}" type="datetimeFigureOut">
               <a:rPr lang="zh-CN" altLang="en-US" smtClean="0"/>
               <a:pPr/>
-              <a:t>2013/5/22</a:t>
+              <a:t>2013/5/23</a:t>
             </a:fld>
             <a:endParaRPr lang="zh-CN" altLang="en-US"/>
           </a:p>
@@ -633,7 +636,93 @@
             <a:fld id="{EE6EE697-8EC0-401B-9178-CA21F13AA7A4}" type="slidenum">
               <a:rPr lang="zh-CN" altLang="en-US" smtClean="0"/>
               <a:pPr/>
-              <a:t>4</a:t>
+              <a:t>5</a:t>
+            </a:fld>
+            <a:endParaRPr lang="zh-CN" altLang="en-US"/>
+          </a:p>
+        </p:txBody>
+      </p:sp>
+    </p:spTree>
+  </p:cSld>
+  <p:clrMapOvr>
+    <a:masterClrMapping/>
+  </p:clrMapOvr>
+</p:notes>
+</file>
+
+<file path=ppt/notesSlides/notesSlide3.xml><?xml version="1.0" encoding="utf-8"?>
+<p:notes xmlns:a="http://schemas.openxmlformats.org/drawingml/2006/main" xmlns:r="http://schemas.openxmlformats.org/officeDocument/2006/relationships" xmlns:p="http://schemas.openxmlformats.org/presentationml/2006/main">
+  <p:cSld>
+    <p:spTree>
+      <p:nvGrpSpPr>
+        <p:cNvPr id="1" name=""/>
+        <p:cNvGrpSpPr/>
+        <p:nvPr/>
+      </p:nvGrpSpPr>
+      <p:grpSpPr>
+        <a:xfrm>
+          <a:off x="0" y="0"/>
+          <a:ext cx="0" cy="0"/>
+          <a:chOff x="0" y="0"/>
+          <a:chExt cx="0" cy="0"/>
+        </a:xfrm>
+      </p:grpSpPr>
+      <p:sp>
+        <p:nvSpPr>
+          <p:cNvPr id="2" name="幻灯片图像占位符 1"/>
+          <p:cNvSpPr>
+            <a:spLocks noGrp="1" noRot="1" noChangeAspect="1"/>
+          </p:cNvSpPr>
+          <p:nvPr>
+            <p:ph type="sldImg"/>
+          </p:nvPr>
+        </p:nvSpPr>
+        <p:spPr/>
+      </p:sp>
+      <p:sp>
+        <p:nvSpPr>
+          <p:cNvPr id="3" name="备注占位符 2"/>
+          <p:cNvSpPr>
+            <a:spLocks noGrp="1"/>
+          </p:cNvSpPr>
+          <p:nvPr>
+            <p:ph type="body" idx="1"/>
+          </p:nvPr>
+        </p:nvSpPr>
+        <p:spPr/>
+        <p:txBody>
+          <a:bodyPr>
+            <a:normAutofit/>
+          </a:bodyPr>
+          <a:lstStyle/>
+          <a:p>
+            <a:r>
+              <a:rPr lang="en-US" altLang="zh-CN" dirty="0" smtClean="0"/>
+              <a:t>http://jsonviewer.stack.hu/</a:t>
+            </a:r>
+            <a:endParaRPr lang="zh-CN" altLang="en-US" dirty="0"/>
+          </a:p>
+        </p:txBody>
+      </p:sp>
+      <p:sp>
+        <p:nvSpPr>
+          <p:cNvPr id="4" name="灯片编号占位符 3"/>
+          <p:cNvSpPr>
+            <a:spLocks noGrp="1"/>
+          </p:cNvSpPr>
+          <p:nvPr>
+            <p:ph type="sldNum" sz="quarter" idx="10"/>
+          </p:nvPr>
+        </p:nvSpPr>
+        <p:spPr/>
+        <p:txBody>
+          <a:bodyPr/>
+          <a:lstStyle/>
+          <a:p>
+            <a:fld id="{EE6EE697-8EC0-401B-9178-CA21F13AA7A4}" type="slidenum">
+              <a:rPr lang="zh-CN" altLang="en-US" smtClean="0"/>
+              <a:pPr/>
+              <a:t>6</a:t>
             </a:fld>
             <a:endParaRPr lang="zh-CN" altLang="en-US"/>
           </a:p>
@@ -829,7 +918,7 @@
             <a:fld id="{530820CF-B880-4189-942D-D702A7CBA730}" type="datetimeFigureOut">
               <a:rPr lang="zh-CN" altLang="en-US" smtClean="0"/>
               <a:pPr/>
-              <a:t>2013/5/22</a:t>
+              <a:t>2013/5/23</a:t>
             </a:fld>
             <a:endParaRPr lang="zh-CN" altLang="en-US"/>
           </a:p>
@@ -996,7 +1085,7 @@
             <a:fld id="{530820CF-B880-4189-942D-D702A7CBA730}" type="datetimeFigureOut">
               <a:rPr lang="zh-CN" altLang="en-US" smtClean="0"/>
               <a:pPr/>
-              <a:t>2013/5/22</a:t>
+              <a:t>2013/5/23</a:t>
             </a:fld>
             <a:endParaRPr lang="zh-CN" altLang="en-US"/>
           </a:p>
@@ -1173,7 +1262,7 @@
             <a:fld id="{530820CF-B880-4189-942D-D702A7CBA730}" type="datetimeFigureOut">
               <a:rPr lang="zh-CN" altLang="en-US" smtClean="0"/>
               <a:pPr/>
-              <a:t>2013/5/22</a:t>
+              <a:t>2013/5/23</a:t>
             </a:fld>
             <a:endParaRPr lang="zh-CN" altLang="en-US"/>
           </a:p>
@@ -1340,7 +1429,7 @@
             <a:fld id="{530820CF-B880-4189-942D-D702A7CBA730}" type="datetimeFigureOut">
               <a:rPr lang="zh-CN" altLang="en-US" smtClean="0"/>
               <a:pPr/>
-              <a:t>2013/5/22</a:t>
+              <a:t>2013/5/23</a:t>
             </a:fld>
             <a:endParaRPr lang="zh-CN" altLang="en-US"/>
           </a:p>
@@ -1583,7 +1672,7 @@
             <a:fld id="{530820CF-B880-4189-942D-D702A7CBA730}" type="datetimeFigureOut">
               <a:rPr lang="zh-CN" altLang="en-US" smtClean="0"/>
               <a:pPr/>
-              <a:t>2013/5/22</a:t>
+              <a:t>2013/5/23</a:t>
             </a:fld>
             <a:endParaRPr lang="zh-CN" altLang="en-US"/>
           </a:p>
@@ -1868,7 +1957,7 @@
             <a:fld id="{530820CF-B880-4189-942D-D702A7CBA730}" type="datetimeFigureOut">
               <a:rPr lang="zh-CN" altLang="en-US" smtClean="0"/>
               <a:pPr/>
-              <a:t>2013/5/22</a:t>
+              <a:t>2013/5/23</a:t>
             </a:fld>
             <a:endParaRPr lang="zh-CN" altLang="en-US"/>
           </a:p>
@@ -2287,7 +2376,7 @@
             <a:fld id="{530820CF-B880-4189-942D-D702A7CBA730}" type="datetimeFigureOut">
               <a:rPr lang="zh-CN" altLang="en-US" smtClean="0"/>
               <a:pPr/>
-              <a:t>2013/5/22</a:t>
+              <a:t>2013/5/23</a:t>
             </a:fld>
             <a:endParaRPr lang="zh-CN" altLang="en-US"/>
           </a:p>
@@ -2402,7 +2491,7 @@
             <a:fld id="{530820CF-B880-4189-942D-D702A7CBA730}" type="datetimeFigureOut">
               <a:rPr lang="zh-CN" altLang="en-US" smtClean="0"/>
               <a:pPr/>
-              <a:t>2013/5/22</a:t>
+              <a:t>2013/5/23</a:t>
             </a:fld>
             <a:endParaRPr lang="zh-CN" altLang="en-US"/>
           </a:p>
@@ -2494,7 +2583,7 @@
             <a:fld id="{530820CF-B880-4189-942D-D702A7CBA730}" type="datetimeFigureOut">
               <a:rPr lang="zh-CN" altLang="en-US" smtClean="0"/>
               <a:pPr/>
-              <a:t>2013/5/22</a:t>
+              <a:t>2013/5/23</a:t>
             </a:fld>
             <a:endParaRPr lang="zh-CN" altLang="en-US"/>
           </a:p>
@@ -2768,7 +2857,7 @@
             <a:fld id="{530820CF-B880-4189-942D-D702A7CBA730}" type="datetimeFigureOut">
               <a:rPr lang="zh-CN" altLang="en-US" smtClean="0"/>
               <a:pPr/>
-              <a:t>2013/5/22</a:t>
+              <a:t>2013/5/23</a:t>
             </a:fld>
             <a:endParaRPr lang="zh-CN" altLang="en-US"/>
           </a:p>
@@ -3018,7 +3107,7 @@
             <a:fld id="{530820CF-B880-4189-942D-D702A7CBA730}" type="datetimeFigureOut">
               <a:rPr lang="zh-CN" altLang="en-US" smtClean="0"/>
               <a:pPr/>
-              <a:t>2013/5/22</a:t>
+              <a:t>2013/5/23</a:t>
             </a:fld>
             <a:endParaRPr lang="zh-CN" altLang="en-US"/>
           </a:p>
@@ -3228,7 +3317,7 @@
             <a:fld id="{530820CF-B880-4189-942D-D702A7CBA730}" type="datetimeFigureOut">
               <a:rPr lang="zh-CN" altLang="en-US" smtClean="0"/>
               <a:pPr/>
-              <a:t>2013/5/22</a:t>
+              <a:t>2013/5/23</a:t>
             </a:fld>
             <a:endParaRPr lang="zh-CN" altLang="en-US"/>
           </a:p>
@@ -4664,6 +4753,13 @@
   <p:clrMapOvr>
     <a:masterClrMapping/>
   </p:clrMapOvr>
+  <p:timing>
+    <p:tnLst>
+      <p:par>
+        <p:cTn id="1" dur="indefinite" restart="never" nodeType="tmRoot"/>
+      </p:par>
+    </p:tnLst>
+  </p:timing>
 </p:sld>
 </file>
 
@@ -4864,15 +4960,7 @@
                   <a:srgbClr val="FF0000"/>
                 </a:solidFill>
               </a:rPr>
-              <a:t>李淑</a:t>
-            </a:r>
-            <a:r>
-              <a:rPr lang="zh-CN" altLang="en-US" dirty="0" smtClean="0">
-                <a:solidFill>
-                  <a:srgbClr val="FF0000"/>
-                </a:solidFill>
-              </a:rPr>
-              <a:t>云</a:t>
+              <a:t>李淑云</a:t>
             </a:r>
             <a:endParaRPr lang="en-US" altLang="zh-CN" dirty="0" smtClean="0">
               <a:solidFill>
@@ -4948,19 +5036,54 @@
             <a:pPr lvl="1"/>
             <a:r>
               <a:rPr lang="en-US" altLang="zh-CN" dirty="0" smtClean="0"/>
-              <a:t>status  </a:t>
-            </a:r>
-            <a:r>
-              <a:rPr lang="zh-CN" altLang="en-US" dirty="0" smtClean="0"/>
-              <a:t>当前正在进行的会议下载信息</a:t>
-            </a:r>
-            <a:endParaRPr lang="en-US" altLang="zh-CN" dirty="0" smtClean="0"/>
+              <a:t>status  -0/</a:t>
+            </a:r>
+            <a:r>
+              <a:rPr lang="en-US" altLang="zh-CN" dirty="0" smtClean="0">
+                <a:solidFill>
+                  <a:srgbClr val="FFC000"/>
+                </a:solidFill>
+              </a:rPr>
+              <a:t>1(</a:t>
+            </a:r>
+            <a:r>
+              <a:rPr lang="zh-CN" altLang="en-US" dirty="0" smtClean="0">
+                <a:solidFill>
+                  <a:srgbClr val="FFC000"/>
+                </a:solidFill>
+              </a:rPr>
+              <a:t>当前正在进行的会议</a:t>
+            </a:r>
+            <a:r>
+              <a:rPr lang="en-US" altLang="zh-CN" dirty="0" smtClean="0"/>
+              <a:t>)</a:t>
+            </a:r>
           </a:p>
           <a:p>
             <a:pPr lvl="1"/>
             <a:r>
               <a:rPr lang="en-US" altLang="zh-CN" dirty="0" err="1" smtClean="0"/>
               <a:t>JSONObject</a:t>
+            </a:r>
+            <a:r>
+              <a:rPr lang="en-US" altLang="zh-CN" dirty="0" smtClean="0"/>
+              <a:t>(</a:t>
+            </a:r>
+            <a:r>
+              <a:rPr lang="en-US" altLang="zh-CN" dirty="0" err="1" smtClean="0"/>
+              <a:t>meetingInfo</a:t>
+            </a:r>
+            <a:r>
+              <a:rPr lang="en-US" altLang="zh-CN" dirty="0" smtClean="0"/>
+              <a:t>/</a:t>
+            </a:r>
+            <a:r>
+              <a:rPr lang="en-US" altLang="zh-CN" dirty="0" err="1" smtClean="0"/>
+              <a:t>personnelInfo</a:t>
+            </a:r>
+            <a:r>
+              <a:rPr lang="en-US" altLang="zh-CN" dirty="0" smtClean="0"/>
+              <a:t>)</a:t>
             </a:r>
             <a:endParaRPr lang="zh-CN" altLang="en-US" dirty="0"/>
           </a:p>
@@ -4971,6 +5094,13 @@
   <p:clrMapOvr>
     <a:masterClrMapping/>
   </p:clrMapOvr>
+  <p:timing>
+    <p:tnLst>
+      <p:par>
+        <p:cTn id="1" dur="indefinite" restart="never" nodeType="tmRoot"/>
+      </p:par>
+    </p:tnLst>
+  </p:timing>
 </p:sld>
 </file>
 
@@ -5341,6 +5471,13 @@
   <p:clrMapOvr>
     <a:masterClrMapping/>
   </p:clrMapOvr>
+  <p:timing>
+    <p:tnLst>
+      <p:par>
+        <p:cTn id="1" dur="indefinite" restart="never" nodeType="tmRoot"/>
+      </p:par>
+    </p:tnLst>
+  </p:timing>
 </p:sld>
 </file>
 
@@ -5371,6 +5508,98 @@
             <p:ph type="title"/>
           </p:nvPr>
         </p:nvSpPr>
+        <p:spPr>
+          <a:xfrm>
+            <a:off x="539552" y="188640"/>
+            <a:ext cx="8229600" cy="778098"/>
+          </a:xfrm>
+        </p:spPr>
+        <p:txBody>
+          <a:bodyPr/>
+          <a:lstStyle/>
+          <a:p>
+            <a:r>
+              <a:rPr lang="zh-CN" altLang="en-US" dirty="0" smtClean="0"/>
+              <a:t>目录结构示例</a:t>
+            </a:r>
+            <a:endParaRPr lang="zh-CN" altLang="en-US" dirty="0"/>
+          </a:p>
+        </p:txBody>
+      </p:sp>
+      <p:pic>
+        <p:nvPicPr>
+          <p:cNvPr id="1026" name="Picture 2"/>
+          <p:cNvPicPr>
+            <a:picLocks noChangeAspect="1" noChangeArrowheads="1"/>
+          </p:cNvPicPr>
+          <p:nvPr/>
+        </p:nvPicPr>
+        <p:blipFill>
+          <a:blip r:embed="rId2" cstate="print"/>
+          <a:srcRect/>
+          <a:stretch>
+            <a:fillRect/>
+          </a:stretch>
+        </p:blipFill>
+        <p:spPr bwMode="auto">
+          <a:xfrm>
+            <a:off x="276225" y="1147763"/>
+            <a:ext cx="8591550" cy="4562475"/>
+          </a:xfrm>
+          <a:prstGeom prst="rect">
+            <a:avLst/>
+          </a:prstGeom>
+          <a:noFill/>
+          <a:ln w="9525">
+            <a:noFill/>
+            <a:miter lim="800000"/>
+            <a:headEnd/>
+            <a:tailEnd/>
+          </a:ln>
+        </p:spPr>
+      </p:pic>
+    </p:spTree>
+  </p:cSld>
+  <p:clrMapOvr>
+    <a:masterClrMapping/>
+  </p:clrMapOvr>
+  <p:timing>
+    <p:tnLst>
+      <p:par>
+        <p:cTn id="1" dur="indefinite" restart="never" nodeType="tmRoot"/>
+      </p:par>
+    </p:tnLst>
+  </p:timing>
+</p:sld>
+</file>
+
+<file path=ppt/slides/slide5.xml><?xml version="1.0" encoding="utf-8"?>
+<p:sld xmlns:a="http://schemas.openxmlformats.org/drawingml/2006/main" xmlns:r="http://schemas.openxmlformats.org/officeDocument/2006/relationships" xmlns:p="http://schemas.openxmlformats.org/presentationml/2006/main">
+  <p:cSld>
+    <p:spTree>
+      <p:nvGrpSpPr>
+        <p:cNvPr id="1" name=""/>
+        <p:cNvGrpSpPr/>
+        <p:nvPr/>
+      </p:nvGrpSpPr>
+      <p:grpSpPr>
+        <a:xfrm>
+          <a:off x="0" y="0"/>
+          <a:ext cx="0" cy="0"/>
+          <a:chOff x="0" y="0"/>
+          <a:chExt cx="0" cy="0"/>
+        </a:xfrm>
+      </p:grpSpPr>
+      <p:sp>
+        <p:nvSpPr>
+          <p:cNvPr id="2" name="标题 1"/>
+          <p:cNvSpPr>
+            <a:spLocks noGrp="1"/>
+          </p:cNvSpPr>
+          <p:nvPr>
+            <p:ph type="title"/>
+          </p:nvPr>
+        </p:nvSpPr>
         <p:spPr/>
         <p:txBody>
           <a:bodyPr/>
@@ -5557,6 +5786,515 @@
               <a:buNone/>
             </a:pPr>
             <a:endParaRPr lang="zh-CN" altLang="en-US" dirty="0"/>
+          </a:p>
+        </p:txBody>
+      </p:sp>
+    </p:spTree>
+  </p:cSld>
+  <p:clrMapOvr>
+    <a:masterClrMapping/>
+  </p:clrMapOvr>
+  <p:timing>
+    <p:tnLst>
+      <p:par>
+        <p:cTn id="1" dur="indefinite" restart="never" nodeType="tmRoot"/>
+      </p:par>
+    </p:tnLst>
+  </p:timing>
+</p:sld>
+</file>
+
+<file path=ppt/slides/slide6.xml><?xml version="1.0" encoding="utf-8"?>
+<p:sld xmlns:a="http://schemas.openxmlformats.org/drawingml/2006/main" xmlns:r="http://schemas.openxmlformats.org/officeDocument/2006/relationships" xmlns:p="http://schemas.openxmlformats.org/presentationml/2006/main">
+  <p:cSld>
+    <p:spTree>
+      <p:nvGrpSpPr>
+        <p:cNvPr id="1" name=""/>
+        <p:cNvGrpSpPr/>
+        <p:nvPr/>
+      </p:nvGrpSpPr>
+      <p:grpSpPr>
+        <a:xfrm>
+          <a:off x="0" y="0"/>
+          <a:ext cx="0" cy="0"/>
+          <a:chOff x="0" y="0"/>
+          <a:chExt cx="0" cy="0"/>
+        </a:xfrm>
+      </p:grpSpPr>
+      <p:sp>
+        <p:nvSpPr>
+          <p:cNvPr id="2" name="标题 1"/>
+          <p:cNvSpPr>
+            <a:spLocks noGrp="1"/>
+          </p:cNvSpPr>
+          <p:nvPr>
+            <p:ph type="title"/>
+          </p:nvPr>
+        </p:nvSpPr>
+        <p:spPr/>
+        <p:txBody>
+          <a:bodyPr/>
+          <a:lstStyle/>
+          <a:p>
+            <a:r>
+              <a:rPr lang="en-US" altLang="zh-CN" dirty="0" err="1" smtClean="0"/>
+              <a:t>Json</a:t>
+            </a:r>
+            <a:r>
+              <a:rPr lang="zh-CN" altLang="en-US" dirty="0" smtClean="0"/>
+              <a:t>数据格式</a:t>
+            </a:r>
+            <a:r>
+              <a:rPr lang="en-US" altLang="zh-CN" dirty="0" smtClean="0"/>
+              <a:t>-</a:t>
+            </a:r>
+            <a:r>
+              <a:rPr lang="zh-CN" altLang="en-US" dirty="0" smtClean="0"/>
+              <a:t>会议信息</a:t>
+            </a:r>
+            <a:endParaRPr lang="zh-CN" altLang="en-US" dirty="0"/>
+          </a:p>
+        </p:txBody>
+      </p:sp>
+      <p:sp>
+        <p:nvSpPr>
+          <p:cNvPr id="5" name="TextBox 4"/>
+          <p:cNvSpPr txBox="1"/>
+          <p:nvPr/>
+        </p:nvSpPr>
+        <p:spPr>
+          <a:xfrm>
+            <a:off x="5004048" y="1988840"/>
+            <a:ext cx="3600400" cy="646331"/>
+          </a:xfrm>
+          <a:prstGeom prst="rect">
+            <a:avLst/>
+          </a:prstGeom>
+          <a:noFill/>
+        </p:spPr>
+        <p:txBody>
+          <a:bodyPr wrap="square" rtlCol="0">
+            <a:spAutoFit/>
+          </a:bodyPr>
+          <a:lstStyle/>
+          <a:p>
+            <a:r>
+              <a:rPr lang="zh-CN" altLang="en-US" dirty="0" smtClean="0"/>
+              <a:t>工具</a:t>
+            </a:r>
+            <a:r>
+              <a:rPr lang="en-US" altLang="zh-CN" dirty="0" smtClean="0"/>
+              <a:t>:</a:t>
+            </a:r>
+            <a:r>
+              <a:rPr lang="zh-CN" altLang="en-US" dirty="0" smtClean="0"/>
+              <a:t> </a:t>
+            </a:r>
+            <a:r>
+              <a:rPr lang="en-US" altLang="zh-CN" dirty="0" smtClean="0"/>
+              <a:t>http://jsonviewer.stack.hu/</a:t>
+            </a:r>
+            <a:endParaRPr lang="zh-CN" altLang="en-US" dirty="0" smtClean="0"/>
+          </a:p>
+          <a:p>
+            <a:endParaRPr lang="zh-CN" altLang="en-US" dirty="0"/>
+          </a:p>
+        </p:txBody>
+      </p:sp>
+      <p:pic>
+        <p:nvPicPr>
+          <p:cNvPr id="1026" name="Picture 2"/>
+          <p:cNvPicPr>
+            <a:picLocks noChangeAspect="1" noChangeArrowheads="1"/>
+          </p:cNvPicPr>
+          <p:nvPr/>
+        </p:nvPicPr>
+        <p:blipFill>
+          <a:blip r:embed="rId3" cstate="print"/>
+          <a:srcRect/>
+          <a:stretch>
+            <a:fillRect/>
+          </a:stretch>
+        </p:blipFill>
+        <p:spPr bwMode="auto">
+          <a:xfrm>
+            <a:off x="395536" y="1196753"/>
+            <a:ext cx="4544505" cy="5112568"/>
+          </a:xfrm>
+          <a:prstGeom prst="rect">
+            <a:avLst/>
+          </a:prstGeom>
+          <a:noFill/>
+          <a:ln w="9525">
+            <a:noFill/>
+            <a:miter lim="800000"/>
+            <a:headEnd/>
+            <a:tailEnd/>
+          </a:ln>
+        </p:spPr>
+      </p:pic>
+    </p:spTree>
+  </p:cSld>
+  <p:clrMapOvr>
+    <a:masterClrMapping/>
+  </p:clrMapOvr>
+  <p:timing>
+    <p:tnLst>
+      <p:par>
+        <p:cTn id="1" dur="indefinite" restart="never" nodeType="tmRoot"/>
+      </p:par>
+    </p:tnLst>
+  </p:timing>
+</p:sld>
+</file>
+
+<file path=ppt/slides/slide7.xml><?xml version="1.0" encoding="utf-8"?>
+<p:sld xmlns:a="http://schemas.openxmlformats.org/drawingml/2006/main" xmlns:r="http://schemas.openxmlformats.org/officeDocument/2006/relationships" xmlns:p="http://schemas.openxmlformats.org/presentationml/2006/main">
+  <p:cSld>
+    <p:spTree>
+      <p:nvGrpSpPr>
+        <p:cNvPr id="1" name=""/>
+        <p:cNvGrpSpPr/>
+        <p:nvPr/>
+      </p:nvGrpSpPr>
+      <p:grpSpPr>
+        <a:xfrm>
+          <a:off x="0" y="0"/>
+          <a:ext cx="0" cy="0"/>
+          <a:chOff x="0" y="0"/>
+          <a:chExt cx="0" cy="0"/>
+        </a:xfrm>
+      </p:grpSpPr>
+      <p:sp>
+        <p:nvSpPr>
+          <p:cNvPr id="2" name="标题 1"/>
+          <p:cNvSpPr>
+            <a:spLocks noGrp="1"/>
+          </p:cNvSpPr>
+          <p:nvPr>
+            <p:ph type="title"/>
+          </p:nvPr>
+        </p:nvSpPr>
+        <p:spPr/>
+        <p:txBody>
+          <a:bodyPr/>
+          <a:lstStyle/>
+          <a:p>
+            <a:r>
+              <a:rPr lang="en-US" altLang="zh-CN" dirty="0" smtClean="0"/>
+              <a:t>Android </a:t>
+            </a:r>
+            <a:r>
+              <a:rPr lang="en-US" altLang="zh-CN" dirty="0" err="1" smtClean="0"/>
+              <a:t>Sqlite</a:t>
+            </a:r>
+            <a:r>
+              <a:rPr lang="en-US" altLang="zh-CN" dirty="0" smtClean="0"/>
+              <a:t> ADB Tool</a:t>
+            </a:r>
+            <a:endParaRPr lang="zh-CN" altLang="en-US" dirty="0"/>
+          </a:p>
+        </p:txBody>
+      </p:sp>
+      <p:sp>
+        <p:nvSpPr>
+          <p:cNvPr id="3" name="内容占位符 2"/>
+          <p:cNvSpPr>
+            <a:spLocks noGrp="1"/>
+          </p:cNvSpPr>
+          <p:nvPr>
+            <p:ph idx="1"/>
+          </p:nvPr>
+        </p:nvSpPr>
+        <p:spPr/>
+        <p:txBody>
+          <a:bodyPr>
+            <a:normAutofit/>
+          </a:bodyPr>
+          <a:lstStyle/>
+          <a:p>
+            <a:r>
+              <a:rPr lang="en-US" altLang="zh-CN" sz="2000" dirty="0" smtClean="0"/>
+              <a:t>command) </a:t>
+            </a:r>
+            <a:r>
+              <a:rPr lang="en-US" altLang="zh-CN" sz="2000" dirty="0" err="1" smtClean="0">
+                <a:solidFill>
+                  <a:srgbClr val="FF0000"/>
+                </a:solidFill>
+              </a:rPr>
+              <a:t>cd</a:t>
+            </a:r>
+            <a:r>
+              <a:rPr lang="en-US" altLang="zh-CN" sz="2000" dirty="0" smtClean="0">
+                <a:solidFill>
+                  <a:srgbClr val="FF0000"/>
+                </a:solidFill>
+              </a:rPr>
+              <a:t> D:\02-FounderResources\Android_Tool\android-</a:t>
+            </a:r>
+            <a:r>
+              <a:rPr lang="en-US" altLang="zh-CN" sz="2000" u="sng" dirty="0" smtClean="0">
+                <a:solidFill>
+                  <a:srgbClr val="FF0000"/>
+                </a:solidFill>
+              </a:rPr>
+              <a:t>sdk\platform-tools</a:t>
+            </a:r>
+          </a:p>
+          <a:p>
+            <a:r>
+              <a:rPr lang="en-US" altLang="zh-CN" sz="2000" dirty="0" smtClean="0"/>
+              <a:t>command) </a:t>
+            </a:r>
+            <a:r>
+              <a:rPr lang="en-US" altLang="zh-CN" sz="2000" u="sng" dirty="0" err="1" smtClean="0">
+                <a:solidFill>
+                  <a:srgbClr val="FF0000"/>
+                </a:solidFill>
+              </a:rPr>
+              <a:t>adb</a:t>
+            </a:r>
+            <a:r>
+              <a:rPr lang="en-US" altLang="zh-CN" sz="2000" u="sng" dirty="0" smtClean="0">
+                <a:solidFill>
+                  <a:srgbClr val="FF0000"/>
+                </a:solidFill>
+              </a:rPr>
+              <a:t> shell</a:t>
+            </a:r>
+          </a:p>
+          <a:p>
+            <a:r>
+              <a:rPr lang="en-US" altLang="zh-CN" sz="2000" dirty="0" smtClean="0"/>
+              <a:t>shell) </a:t>
+            </a:r>
+            <a:r>
+              <a:rPr lang="en-US" altLang="zh-CN" sz="2000" u="sng" dirty="0" err="1" smtClean="0">
+                <a:solidFill>
+                  <a:srgbClr val="C00000"/>
+                </a:solidFill>
+              </a:rPr>
+              <a:t>cd</a:t>
+            </a:r>
+            <a:r>
+              <a:rPr lang="en-US" altLang="zh-CN" sz="2000" u="sng" dirty="0" smtClean="0">
+                <a:solidFill>
+                  <a:srgbClr val="C00000"/>
+                </a:solidFill>
+              </a:rPr>
+              <a:t> data/data</a:t>
+            </a:r>
+          </a:p>
+          <a:p>
+            <a:r>
+              <a:rPr lang="en-US" altLang="zh-CN" sz="2000" dirty="0" smtClean="0"/>
+              <a:t>shell) </a:t>
+            </a:r>
+            <a:r>
+              <a:rPr lang="en-US" altLang="zh-CN" sz="2000" u="sng" dirty="0" err="1" smtClean="0">
+                <a:solidFill>
+                  <a:srgbClr val="C00000"/>
+                </a:solidFill>
+              </a:rPr>
+              <a:t>cd</a:t>
+            </a:r>
+            <a:r>
+              <a:rPr lang="en-US" altLang="zh-CN" sz="2000" u="sng" dirty="0" smtClean="0">
+                <a:solidFill>
+                  <a:srgbClr val="C00000"/>
+                </a:solidFill>
+              </a:rPr>
+              <a:t> </a:t>
+            </a:r>
+            <a:r>
+              <a:rPr lang="en-US" altLang="zh-CN" sz="2000" u="sng" dirty="0" err="1" smtClean="0">
+                <a:solidFill>
+                  <a:srgbClr val="C00000"/>
+                </a:solidFill>
+              </a:rPr>
+              <a:t>com.broadsoft.xmdownload</a:t>
+            </a:r>
+            <a:endParaRPr lang="en-US" altLang="zh-CN" sz="2000" u="sng" dirty="0" smtClean="0">
+              <a:solidFill>
+                <a:srgbClr val="C00000"/>
+              </a:solidFill>
+            </a:endParaRPr>
+          </a:p>
+          <a:p>
+            <a:r>
+              <a:rPr lang="en-US" altLang="zh-CN" sz="2000" dirty="0" smtClean="0"/>
+              <a:t>shell) </a:t>
+            </a:r>
+            <a:r>
+              <a:rPr lang="en-US" altLang="zh-CN" sz="2000" u="sng" dirty="0" err="1" smtClean="0">
+                <a:solidFill>
+                  <a:srgbClr val="C00000"/>
+                </a:solidFill>
+              </a:rPr>
+              <a:t>ls</a:t>
+            </a:r>
+            <a:endParaRPr lang="en-US" altLang="zh-CN" sz="2000" u="sng" dirty="0" smtClean="0">
+              <a:solidFill>
+                <a:srgbClr val="C00000"/>
+              </a:solidFill>
+            </a:endParaRPr>
+          </a:p>
+          <a:p>
+            <a:r>
+              <a:rPr lang="en-US" altLang="zh-CN" sz="2000" dirty="0" smtClean="0"/>
+              <a:t>shell) </a:t>
+            </a:r>
+            <a:r>
+              <a:rPr lang="en-US" altLang="zh-CN" sz="2000" u="sng" dirty="0" err="1" smtClean="0">
+                <a:solidFill>
+                  <a:srgbClr val="C00000"/>
+                </a:solidFill>
+              </a:rPr>
+              <a:t>cd</a:t>
+            </a:r>
+            <a:r>
+              <a:rPr lang="en-US" altLang="zh-CN" sz="2000" u="sng" dirty="0" smtClean="0">
+                <a:solidFill>
+                  <a:srgbClr val="C00000"/>
+                </a:solidFill>
+              </a:rPr>
+              <a:t> databases</a:t>
+            </a:r>
+          </a:p>
+          <a:p>
+            <a:r>
+              <a:rPr lang="en-US" altLang="zh-CN" sz="2000" dirty="0" smtClean="0"/>
+              <a:t>shell) </a:t>
+            </a:r>
+            <a:r>
+              <a:rPr lang="en-US" altLang="zh-CN" sz="2000" dirty="0" smtClean="0">
+                <a:solidFill>
+                  <a:srgbClr val="C00000"/>
+                </a:solidFill>
+              </a:rPr>
+              <a:t>sqlite3 </a:t>
+            </a:r>
+            <a:r>
+              <a:rPr lang="en-US" altLang="zh-CN" sz="2000" u="sng" dirty="0" err="1" smtClean="0">
+                <a:solidFill>
+                  <a:srgbClr val="C00000"/>
+                </a:solidFill>
+              </a:rPr>
+              <a:t>xmeeting</a:t>
+            </a:r>
+            <a:endParaRPr lang="en-US" altLang="zh-CN" sz="2000" u="sng" dirty="0" smtClean="0">
+              <a:solidFill>
+                <a:srgbClr val="C00000"/>
+              </a:solidFill>
+            </a:endParaRPr>
+          </a:p>
+          <a:p>
+            <a:r>
+              <a:rPr lang="en-US" altLang="zh-CN" sz="2000" u="sng" dirty="0" err="1" smtClean="0"/>
+              <a:t>sqllite</a:t>
+            </a:r>
+            <a:r>
+              <a:rPr lang="en-US" altLang="zh-CN" sz="2000" u="sng" dirty="0" smtClean="0"/>
+              <a:t>) </a:t>
+            </a:r>
+            <a:r>
+              <a:rPr lang="en-US" altLang="zh-CN" sz="2000" u="sng" dirty="0" smtClean="0">
+                <a:solidFill>
+                  <a:srgbClr val="7030A0"/>
+                </a:solidFill>
+              </a:rPr>
+              <a:t>.tables</a:t>
+            </a:r>
+          </a:p>
+          <a:p>
+            <a:r>
+              <a:rPr lang="en-US" altLang="zh-CN" sz="2000" u="sng" dirty="0" err="1" smtClean="0"/>
+              <a:t>sqllite</a:t>
+            </a:r>
+            <a:r>
+              <a:rPr lang="en-US" altLang="zh-CN" sz="2000" u="sng" dirty="0" smtClean="0"/>
+              <a:t>) </a:t>
+            </a:r>
+            <a:r>
+              <a:rPr lang="en-US" altLang="zh-CN" sz="2000" u="sng" dirty="0" smtClean="0">
+                <a:solidFill>
+                  <a:srgbClr val="7030A0"/>
+                </a:solidFill>
+              </a:rPr>
+              <a:t>select </a:t>
+            </a:r>
+            <a:r>
+              <a:rPr lang="en-US" altLang="zh-CN" sz="2000" u="sng" dirty="0" err="1" smtClean="0">
+                <a:solidFill>
+                  <a:srgbClr val="7030A0"/>
+                </a:solidFill>
+              </a:rPr>
+              <a:t>meeting_id,status</a:t>
+            </a:r>
+            <a:r>
+              <a:rPr lang="en-US" altLang="zh-CN" sz="2000" u="sng" dirty="0" smtClean="0">
+                <a:solidFill>
+                  <a:srgbClr val="7030A0"/>
+                </a:solidFill>
+              </a:rPr>
+              <a:t> from </a:t>
+            </a:r>
+            <a:r>
+              <a:rPr lang="en-US" altLang="zh-CN" sz="2000" u="sng" dirty="0" err="1" smtClean="0">
+                <a:solidFill>
+                  <a:srgbClr val="7030A0"/>
+                </a:solidFill>
+              </a:rPr>
+              <a:t>downloadinfo</a:t>
+            </a:r>
+            <a:r>
+              <a:rPr lang="en-US" altLang="zh-CN" sz="2000" u="sng" dirty="0" smtClean="0">
+                <a:solidFill>
+                  <a:srgbClr val="7030A0"/>
+                </a:solidFill>
+              </a:rPr>
+              <a:t>;</a:t>
+            </a:r>
+          </a:p>
+          <a:p>
+            <a:r>
+              <a:rPr lang="en-US" altLang="zh-CN" sz="2000" u="sng" dirty="0" err="1" smtClean="0"/>
+              <a:t>sqllite</a:t>
+            </a:r>
+            <a:r>
+              <a:rPr lang="en-US" altLang="zh-CN" sz="2000" u="sng" dirty="0" smtClean="0"/>
+              <a:t>) </a:t>
+            </a:r>
+            <a:r>
+              <a:rPr lang="en-US" altLang="zh-CN" sz="2000" u="sng" dirty="0" smtClean="0">
+                <a:solidFill>
+                  <a:srgbClr val="7030A0"/>
+                </a:solidFill>
+              </a:rPr>
+              <a:t>select * from </a:t>
+            </a:r>
+            <a:r>
+              <a:rPr lang="en-US" altLang="zh-CN" sz="2000" u="sng" dirty="0" err="1" smtClean="0">
+                <a:solidFill>
+                  <a:srgbClr val="7030A0"/>
+                </a:solidFill>
+              </a:rPr>
+              <a:t>downloadinfo</a:t>
+            </a:r>
+            <a:r>
+              <a:rPr lang="en-US" altLang="zh-CN" sz="2000" u="sng" dirty="0" smtClean="0">
+                <a:solidFill>
+                  <a:srgbClr val="7030A0"/>
+                </a:solidFill>
+              </a:rPr>
+              <a:t>;</a:t>
+            </a:r>
+            <a:endParaRPr lang="zh-CN" altLang="en-US" sz="2000" dirty="0">
+              <a:solidFill>
+                <a:srgbClr val="7030A0"/>
+              </a:solidFill>
+            </a:endParaRPr>
           </a:p>
         </p:txBody>
       </p:sp>

--- a/sourcecode/project/xmeeting/doc/前后台交互服务设计.pptx
+++ b/sourcecode/project/xmeeting/doc/前后台交互服务设计.pptx
@@ -5,7 +5,7 @@
     <p:sldMasterId id="2147483648" r:id="rId1"/>
   </p:sldMasterIdLst>
   <p:notesMasterIdLst>
-    <p:notesMasterId r:id="rId9"/>
+    <p:notesMasterId r:id="rId11"/>
   </p:notesMasterIdLst>
   <p:sldIdLst>
     <p:sldId id="256" r:id="rId2"/>
@@ -14,7 +14,9 @@
     <p:sldId id="260" r:id="rId5"/>
     <p:sldId id="259" r:id="rId6"/>
     <p:sldId id="261" r:id="rId7"/>
-    <p:sldId id="262" r:id="rId8"/>
+    <p:sldId id="263" r:id="rId8"/>
+    <p:sldId id="264" r:id="rId9"/>
+    <p:sldId id="262" r:id="rId10"/>
   </p:sldIdLst>
   <p:sldSz cx="9144000" cy="6858000" type="screen4x3"/>
   <p:notesSz cx="6858000" cy="9144000"/>
@@ -199,7 +201,7 @@
             <a:fld id="{5A723B83-D08C-45CF-9490-089EDB871223}" type="datetimeFigureOut">
               <a:rPr lang="zh-CN" altLang="en-US" smtClean="0"/>
               <a:pPr/>
-              <a:t>2013/5/23</a:t>
+              <a:t>2013/5/27</a:t>
             </a:fld>
             <a:endParaRPr lang="zh-CN" altLang="en-US"/>
           </a:p>
@@ -736,6 +738,97 @@
 </p:notes>
 </file>
 
+<file path=ppt/notesSlides/notesSlide4.xml><?xml version="1.0" encoding="utf-8"?>
+<p:notes xmlns:a="http://schemas.openxmlformats.org/drawingml/2006/main" xmlns:r="http://schemas.openxmlformats.org/officeDocument/2006/relationships" xmlns:p="http://schemas.openxmlformats.org/presentationml/2006/main">
+  <p:cSld>
+    <p:spTree>
+      <p:nvGrpSpPr>
+        <p:cNvPr id="1" name=""/>
+        <p:cNvGrpSpPr/>
+        <p:nvPr/>
+      </p:nvGrpSpPr>
+      <p:grpSpPr>
+        <a:xfrm>
+          <a:off x="0" y="0"/>
+          <a:ext cx="0" cy="0"/>
+          <a:chOff x="0" y="0"/>
+          <a:chExt cx="0" cy="0"/>
+        </a:xfrm>
+      </p:grpSpPr>
+      <p:sp>
+        <p:nvSpPr>
+          <p:cNvPr id="2" name="幻灯片图像占位符 1"/>
+          <p:cNvSpPr>
+            <a:spLocks noGrp="1" noRot="1" noChangeAspect="1"/>
+          </p:cNvSpPr>
+          <p:nvPr>
+            <p:ph type="sldImg"/>
+          </p:nvPr>
+        </p:nvSpPr>
+        <p:spPr/>
+      </p:sp>
+      <p:sp>
+        <p:nvSpPr>
+          <p:cNvPr id="3" name="备注占位符 2"/>
+          <p:cNvSpPr>
+            <a:spLocks noGrp="1"/>
+          </p:cNvSpPr>
+          <p:nvPr>
+            <p:ph type="body" idx="1"/>
+          </p:nvPr>
+        </p:nvSpPr>
+        <p:spPr/>
+        <p:txBody>
+          <a:bodyPr>
+            <a:normAutofit/>
+          </a:bodyPr>
+          <a:lstStyle/>
+          <a:p>
+            <a:r>
+              <a:rPr lang="en-US" altLang="zh-CN" dirty="0" smtClean="0"/>
+              <a:t>http://172.29.135.151:8080/xmeeting/rs/open/companyinfo/download</a:t>
+            </a:r>
+          </a:p>
+          <a:p>
+            <a:endParaRPr lang="en-US" altLang="zh-CN" dirty="0" smtClean="0"/>
+          </a:p>
+          <a:p>
+            <a:endParaRPr lang="zh-CN" altLang="en-US" dirty="0"/>
+          </a:p>
+        </p:txBody>
+      </p:sp>
+      <p:sp>
+        <p:nvSpPr>
+          <p:cNvPr id="4" name="灯片编号占位符 3"/>
+          <p:cNvSpPr>
+            <a:spLocks noGrp="1"/>
+          </p:cNvSpPr>
+          <p:nvPr>
+            <p:ph type="sldNum" sz="quarter" idx="10"/>
+          </p:nvPr>
+        </p:nvSpPr>
+        <p:spPr/>
+        <p:txBody>
+          <a:bodyPr/>
+          <a:lstStyle/>
+          <a:p>
+            <a:fld id="{EE6EE697-8EC0-401B-9178-CA21F13AA7A4}" type="slidenum">
+              <a:rPr lang="zh-CN" altLang="en-US" smtClean="0"/>
+              <a:pPr/>
+              <a:t>7</a:t>
+            </a:fld>
+            <a:endParaRPr lang="zh-CN" altLang="en-US"/>
+          </a:p>
+        </p:txBody>
+      </p:sp>
+    </p:spTree>
+  </p:cSld>
+  <p:clrMapOvr>
+    <a:masterClrMapping/>
+  </p:clrMapOvr>
+</p:notes>
+</file>
+
 <file path=ppt/slideLayouts/slideLayout1.xml><?xml version="1.0" encoding="utf-8"?>
 <p:sldLayout xmlns:a="http://schemas.openxmlformats.org/drawingml/2006/main" xmlns:r="http://schemas.openxmlformats.org/officeDocument/2006/relationships" xmlns:p="http://schemas.openxmlformats.org/presentationml/2006/main" type="title" preserve="1">
   <p:cSld name="标题幻灯片">
@@ -918,7 +1011,7 @@
             <a:fld id="{530820CF-B880-4189-942D-D702A7CBA730}" type="datetimeFigureOut">
               <a:rPr lang="zh-CN" altLang="en-US" smtClean="0"/>
               <a:pPr/>
-              <a:t>2013/5/23</a:t>
+              <a:t>2013/5/27</a:t>
             </a:fld>
             <a:endParaRPr lang="zh-CN" altLang="en-US"/>
           </a:p>
@@ -1085,7 +1178,7 @@
             <a:fld id="{530820CF-B880-4189-942D-D702A7CBA730}" type="datetimeFigureOut">
               <a:rPr lang="zh-CN" altLang="en-US" smtClean="0"/>
               <a:pPr/>
-              <a:t>2013/5/23</a:t>
+              <a:t>2013/5/27</a:t>
             </a:fld>
             <a:endParaRPr lang="zh-CN" altLang="en-US"/>
           </a:p>
@@ -1262,7 +1355,7 @@
             <a:fld id="{530820CF-B880-4189-942D-D702A7CBA730}" type="datetimeFigureOut">
               <a:rPr lang="zh-CN" altLang="en-US" smtClean="0"/>
               <a:pPr/>
-              <a:t>2013/5/23</a:t>
+              <a:t>2013/5/27</a:t>
             </a:fld>
             <a:endParaRPr lang="zh-CN" altLang="en-US"/>
           </a:p>
@@ -1429,7 +1522,7 @@
             <a:fld id="{530820CF-B880-4189-942D-D702A7CBA730}" type="datetimeFigureOut">
               <a:rPr lang="zh-CN" altLang="en-US" smtClean="0"/>
               <a:pPr/>
-              <a:t>2013/5/23</a:t>
+              <a:t>2013/5/27</a:t>
             </a:fld>
             <a:endParaRPr lang="zh-CN" altLang="en-US"/>
           </a:p>
@@ -1672,7 +1765,7 @@
             <a:fld id="{530820CF-B880-4189-942D-D702A7CBA730}" type="datetimeFigureOut">
               <a:rPr lang="zh-CN" altLang="en-US" smtClean="0"/>
               <a:pPr/>
-              <a:t>2013/5/23</a:t>
+              <a:t>2013/5/27</a:t>
             </a:fld>
             <a:endParaRPr lang="zh-CN" altLang="en-US"/>
           </a:p>
@@ -1957,7 +2050,7 @@
             <a:fld id="{530820CF-B880-4189-942D-D702A7CBA730}" type="datetimeFigureOut">
               <a:rPr lang="zh-CN" altLang="en-US" smtClean="0"/>
               <a:pPr/>
-              <a:t>2013/5/23</a:t>
+              <a:t>2013/5/27</a:t>
             </a:fld>
             <a:endParaRPr lang="zh-CN" altLang="en-US"/>
           </a:p>
@@ -2376,7 +2469,7 @@
             <a:fld id="{530820CF-B880-4189-942D-D702A7CBA730}" type="datetimeFigureOut">
               <a:rPr lang="zh-CN" altLang="en-US" smtClean="0"/>
               <a:pPr/>
-              <a:t>2013/5/23</a:t>
+              <a:t>2013/5/27</a:t>
             </a:fld>
             <a:endParaRPr lang="zh-CN" altLang="en-US"/>
           </a:p>
@@ -2491,7 +2584,7 @@
             <a:fld id="{530820CF-B880-4189-942D-D702A7CBA730}" type="datetimeFigureOut">
               <a:rPr lang="zh-CN" altLang="en-US" smtClean="0"/>
               <a:pPr/>
-              <a:t>2013/5/23</a:t>
+              <a:t>2013/5/27</a:t>
             </a:fld>
             <a:endParaRPr lang="zh-CN" altLang="en-US"/>
           </a:p>
@@ -2583,7 +2676,7 @@
             <a:fld id="{530820CF-B880-4189-942D-D702A7CBA730}" type="datetimeFigureOut">
               <a:rPr lang="zh-CN" altLang="en-US" smtClean="0"/>
               <a:pPr/>
-              <a:t>2013/5/23</a:t>
+              <a:t>2013/5/27</a:t>
             </a:fld>
             <a:endParaRPr lang="zh-CN" altLang="en-US"/>
           </a:p>
@@ -2857,7 +2950,7 @@
             <a:fld id="{530820CF-B880-4189-942D-D702A7CBA730}" type="datetimeFigureOut">
               <a:rPr lang="zh-CN" altLang="en-US" smtClean="0"/>
               <a:pPr/>
-              <a:t>2013/5/23</a:t>
+              <a:t>2013/5/27</a:t>
             </a:fld>
             <a:endParaRPr lang="zh-CN" altLang="en-US"/>
           </a:p>
@@ -3107,7 +3200,7 @@
             <a:fld id="{530820CF-B880-4189-942D-D702A7CBA730}" type="datetimeFigureOut">
               <a:rPr lang="zh-CN" altLang="en-US" smtClean="0"/>
               <a:pPr/>
-              <a:t>2013/5/23</a:t>
+              <a:t>2013/5/27</a:t>
             </a:fld>
             <a:endParaRPr lang="zh-CN" altLang="en-US"/>
           </a:p>
@@ -3317,7 +3410,7 @@
             <a:fld id="{530820CF-B880-4189-942D-D702A7CBA730}" type="datetimeFigureOut">
               <a:rPr lang="zh-CN" altLang="en-US" smtClean="0"/>
               <a:pPr/>
-              <a:t>2013/5/23</a:t>
+              <a:t>2013/5/27</a:t>
             </a:fld>
             <a:endParaRPr lang="zh-CN" altLang="en-US"/>
           </a:p>
@@ -4828,7 +4921,7 @@
         <p:spPr/>
         <p:txBody>
           <a:bodyPr>
-            <a:normAutofit fontScale="70000" lnSpcReduction="20000"/>
+            <a:normAutofit fontScale="62500" lnSpcReduction="20000"/>
           </a:bodyPr>
           <a:lstStyle/>
           <a:p>
@@ -5085,6 +5178,28 @@
               <a:rPr lang="en-US" altLang="zh-CN" dirty="0" smtClean="0"/>
               <a:t>)</a:t>
             </a:r>
+          </a:p>
+          <a:p>
+            <a:r>
+              <a:rPr lang="en-US" altLang="zh-CN" dirty="0" err="1" smtClean="0"/>
+              <a:t>companyinfo</a:t>
+            </a:r>
+            <a:r>
+              <a:rPr lang="zh-CN" altLang="en-US" dirty="0" smtClean="0"/>
+              <a:t>表</a:t>
+            </a:r>
+            <a:endParaRPr lang="en-US" altLang="zh-CN" smtClean="0"/>
+          </a:p>
+          <a:p>
+            <a:pPr lvl="1"/>
+            <a:endParaRPr lang="en-US" altLang="zh-CN" dirty="0" smtClean="0"/>
+          </a:p>
+          <a:p>
+            <a:pPr lvl="1"/>
+            <a:endParaRPr lang="en-US" altLang="zh-CN" dirty="0" smtClean="0"/>
+          </a:p>
+          <a:p>
+            <a:pPr lvl="1"/>
             <a:endParaRPr lang="zh-CN" altLang="en-US" dirty="0"/>
           </a:p>
         </p:txBody>
@@ -5949,6 +6064,153 @@
 </file>
 
 <file path=ppt/slides/slide7.xml><?xml version="1.0" encoding="utf-8"?>
+<p:sld xmlns:a="http://schemas.openxmlformats.org/drawingml/2006/main" xmlns:r="http://schemas.openxmlformats.org/officeDocument/2006/relationships" xmlns:p="http://schemas.openxmlformats.org/presentationml/2006/main">
+  <p:cSld>
+    <p:spTree>
+      <p:nvGrpSpPr>
+        <p:cNvPr id="1" name=""/>
+        <p:cNvGrpSpPr/>
+        <p:nvPr/>
+      </p:nvGrpSpPr>
+      <p:grpSpPr>
+        <a:xfrm>
+          <a:off x="0" y="0"/>
+          <a:ext cx="0" cy="0"/>
+          <a:chOff x="0" y="0"/>
+          <a:chExt cx="0" cy="0"/>
+        </a:xfrm>
+      </p:grpSpPr>
+      <p:sp>
+        <p:nvSpPr>
+          <p:cNvPr id="2" name="标题 1"/>
+          <p:cNvSpPr>
+            <a:spLocks noGrp="1"/>
+          </p:cNvSpPr>
+          <p:nvPr>
+            <p:ph type="title"/>
+          </p:nvPr>
+        </p:nvSpPr>
+        <p:spPr/>
+        <p:txBody>
+          <a:bodyPr/>
+          <a:lstStyle/>
+          <a:p>
+            <a:r>
+              <a:rPr lang="zh-CN" altLang="en-US" dirty="0" smtClean="0"/>
+              <a:t>公司信息</a:t>
+            </a:r>
+            <a:endParaRPr lang="zh-CN" altLang="en-US" dirty="0"/>
+          </a:p>
+        </p:txBody>
+      </p:sp>
+      <p:sp>
+        <p:nvSpPr>
+          <p:cNvPr id="3" name="内容占位符 2"/>
+          <p:cNvSpPr>
+            <a:spLocks noGrp="1"/>
+          </p:cNvSpPr>
+          <p:nvPr>
+            <p:ph idx="1"/>
+          </p:nvPr>
+        </p:nvSpPr>
+        <p:spPr/>
+        <p:txBody>
+          <a:bodyPr/>
+          <a:lstStyle/>
+          <a:p>
+            <a:endParaRPr lang="zh-CN" altLang="en-US" dirty="0"/>
+          </a:p>
+        </p:txBody>
+      </p:sp>
+    </p:spTree>
+  </p:cSld>
+  <p:clrMapOvr>
+    <a:masterClrMapping/>
+  </p:clrMapOvr>
+</p:sld>
+</file>
+
+<file path=ppt/slides/slide8.xml><?xml version="1.0" encoding="utf-8"?>
+<p:sld xmlns:a="http://schemas.openxmlformats.org/drawingml/2006/main" xmlns:r="http://schemas.openxmlformats.org/officeDocument/2006/relationships" xmlns:p="http://schemas.openxmlformats.org/presentationml/2006/main">
+  <p:cSld>
+    <p:spTree>
+      <p:nvGrpSpPr>
+        <p:cNvPr id="1" name=""/>
+        <p:cNvGrpSpPr/>
+        <p:nvPr/>
+      </p:nvGrpSpPr>
+      <p:grpSpPr>
+        <a:xfrm>
+          <a:off x="0" y="0"/>
+          <a:ext cx="0" cy="0"/>
+          <a:chOff x="0" y="0"/>
+          <a:chExt cx="0" cy="0"/>
+        </a:xfrm>
+      </p:grpSpPr>
+      <p:sp>
+        <p:nvSpPr>
+          <p:cNvPr id="2" name="标题 1"/>
+          <p:cNvSpPr>
+            <a:spLocks noGrp="1"/>
+          </p:cNvSpPr>
+          <p:nvPr>
+            <p:ph type="title"/>
+          </p:nvPr>
+        </p:nvSpPr>
+        <p:spPr/>
+        <p:txBody>
+          <a:bodyPr/>
+          <a:lstStyle/>
+          <a:p>
+            <a:r>
+              <a:rPr lang="zh-CN" altLang="en-US" dirty="0" smtClean="0"/>
+              <a:t>设备信息</a:t>
+            </a:r>
+            <a:endParaRPr lang="zh-CN" altLang="en-US" dirty="0"/>
+          </a:p>
+        </p:txBody>
+      </p:sp>
+      <p:pic>
+        <p:nvPicPr>
+          <p:cNvPr id="1026" name="Picture 2"/>
+          <p:cNvPicPr>
+            <a:picLocks noChangeAspect="1" noChangeArrowheads="1"/>
+          </p:cNvPicPr>
+          <p:nvPr/>
+        </p:nvPicPr>
+        <p:blipFill>
+          <a:blip r:embed="rId2" cstate="print"/>
+          <a:srcRect/>
+          <a:stretch>
+            <a:fillRect/>
+          </a:stretch>
+        </p:blipFill>
+        <p:spPr bwMode="auto">
+          <a:xfrm>
+            <a:off x="0" y="1484784"/>
+            <a:ext cx="5809135" cy="4248472"/>
+          </a:xfrm>
+          <a:prstGeom prst="rect">
+            <a:avLst/>
+          </a:prstGeom>
+          <a:noFill/>
+          <a:ln w="9525">
+            <a:noFill/>
+            <a:miter lim="800000"/>
+            <a:headEnd/>
+            <a:tailEnd/>
+          </a:ln>
+        </p:spPr>
+      </p:pic>
+    </p:spTree>
+  </p:cSld>
+  <p:clrMapOvr>
+    <a:masterClrMapping/>
+  </p:clrMapOvr>
+</p:sld>
+</file>
+
+<file path=ppt/slides/slide9.xml><?xml version="1.0" encoding="utf-8"?>
 <p:sld xmlns:a="http://schemas.openxmlformats.org/drawingml/2006/main" xmlns:r="http://schemas.openxmlformats.org/officeDocument/2006/relationships" xmlns:p="http://schemas.openxmlformats.org/presentationml/2006/main">
   <p:cSld>
     <p:spTree>

--- a/sourcecode/project/xmeeting/doc/前后台交互服务设计.pptx
+++ b/sourcecode/project/xmeeting/doc/前后台交互服务设计.pptx
@@ -5,7 +5,7 @@
     <p:sldMasterId id="2147483648" r:id="rId1"/>
   </p:sldMasterIdLst>
   <p:notesMasterIdLst>
-    <p:notesMasterId r:id="rId11"/>
+    <p:notesMasterId r:id="rId12"/>
   </p:notesMasterIdLst>
   <p:sldIdLst>
     <p:sldId id="256" r:id="rId2"/>
@@ -14,9 +14,10 @@
     <p:sldId id="260" r:id="rId5"/>
     <p:sldId id="259" r:id="rId6"/>
     <p:sldId id="261" r:id="rId7"/>
-    <p:sldId id="263" r:id="rId8"/>
-    <p:sldId id="264" r:id="rId9"/>
-    <p:sldId id="262" r:id="rId10"/>
+    <p:sldId id="265" r:id="rId8"/>
+    <p:sldId id="263" r:id="rId9"/>
+    <p:sldId id="264" r:id="rId10"/>
+    <p:sldId id="262" r:id="rId11"/>
   </p:sldIdLst>
   <p:sldSz cx="9144000" cy="6858000" type="screen4x3"/>
   <p:notesSz cx="6858000" cy="9144000"/>
@@ -201,7 +202,7 @@
             <a:fld id="{5A723B83-D08C-45CF-9490-089EDB871223}" type="datetimeFigureOut">
               <a:rPr lang="zh-CN" altLang="en-US" smtClean="0"/>
               <a:pPr/>
-              <a:t>2013/5/27</a:t>
+              <a:t>2013/6/24</a:t>
             </a:fld>
             <a:endParaRPr lang="zh-CN" altLang="en-US"/>
           </a:p>
@@ -784,6 +785,88 @@
           </a:bodyPr>
           <a:lstStyle/>
           <a:p>
+            <a:endParaRPr lang="zh-CN" altLang="en-US" dirty="0"/>
+          </a:p>
+        </p:txBody>
+      </p:sp>
+      <p:sp>
+        <p:nvSpPr>
+          <p:cNvPr id="4" name="灯片编号占位符 3"/>
+          <p:cNvSpPr>
+            <a:spLocks noGrp="1"/>
+          </p:cNvSpPr>
+          <p:nvPr>
+            <p:ph type="sldNum" sz="quarter" idx="10"/>
+          </p:nvPr>
+        </p:nvSpPr>
+        <p:spPr/>
+        <p:txBody>
+          <a:bodyPr/>
+          <a:lstStyle/>
+          <a:p>
+            <a:fld id="{EE6EE697-8EC0-401B-9178-CA21F13AA7A4}" type="slidenum">
+              <a:rPr lang="zh-CN" altLang="en-US" smtClean="0"/>
+              <a:pPr/>
+              <a:t>7</a:t>
+            </a:fld>
+            <a:endParaRPr lang="zh-CN" altLang="en-US"/>
+          </a:p>
+        </p:txBody>
+      </p:sp>
+    </p:spTree>
+  </p:cSld>
+  <p:clrMapOvr>
+    <a:masterClrMapping/>
+  </p:clrMapOvr>
+</p:notes>
+</file>
+
+<file path=ppt/notesSlides/notesSlide5.xml><?xml version="1.0" encoding="utf-8"?>
+<p:notes xmlns:a="http://schemas.openxmlformats.org/drawingml/2006/main" xmlns:r="http://schemas.openxmlformats.org/officeDocument/2006/relationships" xmlns:p="http://schemas.openxmlformats.org/presentationml/2006/main">
+  <p:cSld>
+    <p:spTree>
+      <p:nvGrpSpPr>
+        <p:cNvPr id="1" name=""/>
+        <p:cNvGrpSpPr/>
+        <p:nvPr/>
+      </p:nvGrpSpPr>
+      <p:grpSpPr>
+        <a:xfrm>
+          <a:off x="0" y="0"/>
+          <a:ext cx="0" cy="0"/>
+          <a:chOff x="0" y="0"/>
+          <a:chExt cx="0" cy="0"/>
+        </a:xfrm>
+      </p:grpSpPr>
+      <p:sp>
+        <p:nvSpPr>
+          <p:cNvPr id="2" name="幻灯片图像占位符 1"/>
+          <p:cNvSpPr>
+            <a:spLocks noGrp="1" noRot="1" noChangeAspect="1"/>
+          </p:cNvSpPr>
+          <p:nvPr>
+            <p:ph type="sldImg"/>
+          </p:nvPr>
+        </p:nvSpPr>
+        <p:spPr/>
+      </p:sp>
+      <p:sp>
+        <p:nvSpPr>
+          <p:cNvPr id="3" name="备注占位符 2"/>
+          <p:cNvSpPr>
+            <a:spLocks noGrp="1"/>
+          </p:cNvSpPr>
+          <p:nvPr>
+            <p:ph type="body" idx="1"/>
+          </p:nvPr>
+        </p:nvSpPr>
+        <p:spPr/>
+        <p:txBody>
+          <a:bodyPr>
+            <a:normAutofit/>
+          </a:bodyPr>
+          <a:lstStyle/>
+          <a:p>
             <a:r>
               <a:rPr lang="en-US" altLang="zh-CN" dirty="0" smtClean="0"/>
               <a:t>http://172.29.135.151:8080/xmeeting/rs/open/companyinfo/download</a:t>
@@ -815,7 +898,7 @@
             <a:fld id="{EE6EE697-8EC0-401B-9178-CA21F13AA7A4}" type="slidenum">
               <a:rPr lang="zh-CN" altLang="en-US" smtClean="0"/>
               <a:pPr/>
-              <a:t>7</a:t>
+              <a:t>8</a:t>
             </a:fld>
             <a:endParaRPr lang="zh-CN" altLang="en-US"/>
           </a:p>
@@ -1011,7 +1094,7 @@
             <a:fld id="{530820CF-B880-4189-942D-D702A7CBA730}" type="datetimeFigureOut">
               <a:rPr lang="zh-CN" altLang="en-US" smtClean="0"/>
               <a:pPr/>
-              <a:t>2013/5/27</a:t>
+              <a:t>2013/6/24</a:t>
             </a:fld>
             <a:endParaRPr lang="zh-CN" altLang="en-US"/>
           </a:p>
@@ -1178,7 +1261,7 @@
             <a:fld id="{530820CF-B880-4189-942D-D702A7CBA730}" type="datetimeFigureOut">
               <a:rPr lang="zh-CN" altLang="en-US" smtClean="0"/>
               <a:pPr/>
-              <a:t>2013/5/27</a:t>
+              <a:t>2013/6/24</a:t>
             </a:fld>
             <a:endParaRPr lang="zh-CN" altLang="en-US"/>
           </a:p>
@@ -1355,7 +1438,7 @@
             <a:fld id="{530820CF-B880-4189-942D-D702A7CBA730}" type="datetimeFigureOut">
               <a:rPr lang="zh-CN" altLang="en-US" smtClean="0"/>
               <a:pPr/>
-              <a:t>2013/5/27</a:t>
+              <a:t>2013/6/24</a:t>
             </a:fld>
             <a:endParaRPr lang="zh-CN" altLang="en-US"/>
           </a:p>
@@ -1522,7 +1605,7 @@
             <a:fld id="{530820CF-B880-4189-942D-D702A7CBA730}" type="datetimeFigureOut">
               <a:rPr lang="zh-CN" altLang="en-US" smtClean="0"/>
               <a:pPr/>
-              <a:t>2013/5/27</a:t>
+              <a:t>2013/6/24</a:t>
             </a:fld>
             <a:endParaRPr lang="zh-CN" altLang="en-US"/>
           </a:p>
@@ -1765,7 +1848,7 @@
             <a:fld id="{530820CF-B880-4189-942D-D702A7CBA730}" type="datetimeFigureOut">
               <a:rPr lang="zh-CN" altLang="en-US" smtClean="0"/>
               <a:pPr/>
-              <a:t>2013/5/27</a:t>
+              <a:t>2013/6/24</a:t>
             </a:fld>
             <a:endParaRPr lang="zh-CN" altLang="en-US"/>
           </a:p>
@@ -2050,7 +2133,7 @@
             <a:fld id="{530820CF-B880-4189-942D-D702A7CBA730}" type="datetimeFigureOut">
               <a:rPr lang="zh-CN" altLang="en-US" smtClean="0"/>
               <a:pPr/>
-              <a:t>2013/5/27</a:t>
+              <a:t>2013/6/24</a:t>
             </a:fld>
             <a:endParaRPr lang="zh-CN" altLang="en-US"/>
           </a:p>
@@ -2469,7 +2552,7 @@
             <a:fld id="{530820CF-B880-4189-942D-D702A7CBA730}" type="datetimeFigureOut">
               <a:rPr lang="zh-CN" altLang="en-US" smtClean="0"/>
               <a:pPr/>
-              <a:t>2013/5/27</a:t>
+              <a:t>2013/6/24</a:t>
             </a:fld>
             <a:endParaRPr lang="zh-CN" altLang="en-US"/>
           </a:p>
@@ -2584,7 +2667,7 @@
             <a:fld id="{530820CF-B880-4189-942D-D702A7CBA730}" type="datetimeFigureOut">
               <a:rPr lang="zh-CN" altLang="en-US" smtClean="0"/>
               <a:pPr/>
-              <a:t>2013/5/27</a:t>
+              <a:t>2013/6/24</a:t>
             </a:fld>
             <a:endParaRPr lang="zh-CN" altLang="en-US"/>
           </a:p>
@@ -2676,7 +2759,7 @@
             <a:fld id="{530820CF-B880-4189-942D-D702A7CBA730}" type="datetimeFigureOut">
               <a:rPr lang="zh-CN" altLang="en-US" smtClean="0"/>
               <a:pPr/>
-              <a:t>2013/5/27</a:t>
+              <a:t>2013/6/24</a:t>
             </a:fld>
             <a:endParaRPr lang="zh-CN" altLang="en-US"/>
           </a:p>
@@ -2950,7 +3033,7 @@
             <a:fld id="{530820CF-B880-4189-942D-D702A7CBA730}" type="datetimeFigureOut">
               <a:rPr lang="zh-CN" altLang="en-US" smtClean="0"/>
               <a:pPr/>
-              <a:t>2013/5/27</a:t>
+              <a:t>2013/6/24</a:t>
             </a:fld>
             <a:endParaRPr lang="zh-CN" altLang="en-US"/>
           </a:p>
@@ -3200,7 +3283,7 @@
             <a:fld id="{530820CF-B880-4189-942D-D702A7CBA730}" type="datetimeFigureOut">
               <a:rPr lang="zh-CN" altLang="en-US" smtClean="0"/>
               <a:pPr/>
-              <a:t>2013/5/27</a:t>
+              <a:t>2013/6/24</a:t>
             </a:fld>
             <a:endParaRPr lang="zh-CN" altLang="en-US"/>
           </a:p>
@@ -3410,7 +3493,7 @@
             <a:fld id="{530820CF-B880-4189-942D-D702A7CBA730}" type="datetimeFigureOut">
               <a:rPr lang="zh-CN" altLang="en-US" smtClean="0"/>
               <a:pPr/>
-              <a:t>2013/5/27</a:t>
+              <a:t>2013/6/24</a:t>
             </a:fld>
             <a:endParaRPr lang="zh-CN" altLang="en-US"/>
           </a:p>
@@ -4856,6 +4939,364 @@
 </p:sld>
 </file>
 
+<file path=ppt/slides/slide10.xml><?xml version="1.0" encoding="utf-8"?>
+<p:sld xmlns:a="http://schemas.openxmlformats.org/drawingml/2006/main" xmlns:r="http://schemas.openxmlformats.org/officeDocument/2006/relationships" xmlns:p="http://schemas.openxmlformats.org/presentationml/2006/main">
+  <p:cSld>
+    <p:spTree>
+      <p:nvGrpSpPr>
+        <p:cNvPr id="1" name=""/>
+        <p:cNvGrpSpPr/>
+        <p:nvPr/>
+      </p:nvGrpSpPr>
+      <p:grpSpPr>
+        <a:xfrm>
+          <a:off x="0" y="0"/>
+          <a:ext cx="0" cy="0"/>
+          <a:chOff x="0" y="0"/>
+          <a:chExt cx="0" cy="0"/>
+        </a:xfrm>
+      </p:grpSpPr>
+      <p:sp>
+        <p:nvSpPr>
+          <p:cNvPr id="2" name="标题 1"/>
+          <p:cNvSpPr>
+            <a:spLocks noGrp="1"/>
+          </p:cNvSpPr>
+          <p:nvPr>
+            <p:ph type="title"/>
+          </p:nvPr>
+        </p:nvSpPr>
+        <p:spPr/>
+        <p:txBody>
+          <a:bodyPr/>
+          <a:lstStyle/>
+          <a:p>
+            <a:r>
+              <a:rPr lang="en-US" altLang="zh-CN" dirty="0" smtClean="0"/>
+              <a:t>Android </a:t>
+            </a:r>
+            <a:r>
+              <a:rPr lang="en-US" altLang="zh-CN" dirty="0" err="1" smtClean="0"/>
+              <a:t>Sqlite</a:t>
+            </a:r>
+            <a:r>
+              <a:rPr lang="en-US" altLang="zh-CN" dirty="0" smtClean="0"/>
+              <a:t> ADB Tool</a:t>
+            </a:r>
+            <a:endParaRPr lang="zh-CN" altLang="en-US" dirty="0"/>
+          </a:p>
+        </p:txBody>
+      </p:sp>
+      <p:sp>
+        <p:nvSpPr>
+          <p:cNvPr id="3" name="内容占位符 2"/>
+          <p:cNvSpPr>
+            <a:spLocks noGrp="1"/>
+          </p:cNvSpPr>
+          <p:nvPr>
+            <p:ph idx="1"/>
+          </p:nvPr>
+        </p:nvSpPr>
+        <p:spPr/>
+        <p:txBody>
+          <a:bodyPr>
+            <a:normAutofit/>
+          </a:bodyPr>
+          <a:lstStyle/>
+          <a:p>
+            <a:r>
+              <a:rPr lang="en-US" altLang="zh-CN" sz="2000" dirty="0" smtClean="0"/>
+              <a:t>command) </a:t>
+            </a:r>
+            <a:r>
+              <a:rPr lang="en-US" altLang="zh-CN" sz="2000" dirty="0" err="1" smtClean="0">
+                <a:solidFill>
+                  <a:srgbClr val="FF0000"/>
+                </a:solidFill>
+              </a:rPr>
+              <a:t>cd</a:t>
+            </a:r>
+            <a:r>
+              <a:rPr lang="en-US" altLang="zh-CN" sz="2000" dirty="0" smtClean="0">
+                <a:solidFill>
+                  <a:srgbClr val="FF0000"/>
+                </a:solidFill>
+              </a:rPr>
+              <a:t> D:\02-FounderResources\Android_Tool\android-</a:t>
+            </a:r>
+            <a:r>
+              <a:rPr lang="en-US" altLang="zh-CN" sz="2000" u="sng" dirty="0" smtClean="0">
+                <a:solidFill>
+                  <a:srgbClr val="FF0000"/>
+                </a:solidFill>
+              </a:rPr>
+              <a:t>sdk\platform-tools</a:t>
+            </a:r>
+          </a:p>
+          <a:p>
+            <a:r>
+              <a:rPr lang="en-US" altLang="zh-CN" sz="2000" dirty="0" smtClean="0"/>
+              <a:t>command) </a:t>
+            </a:r>
+            <a:r>
+              <a:rPr lang="en-US" altLang="zh-CN" sz="2000" u="sng" dirty="0" err="1" smtClean="0">
+                <a:solidFill>
+                  <a:srgbClr val="FF0000"/>
+                </a:solidFill>
+              </a:rPr>
+              <a:t>adb</a:t>
+            </a:r>
+            <a:r>
+              <a:rPr lang="en-US" altLang="zh-CN" sz="2000" u="sng" dirty="0" smtClean="0">
+                <a:solidFill>
+                  <a:srgbClr val="FF0000"/>
+                </a:solidFill>
+              </a:rPr>
+              <a:t> shell</a:t>
+            </a:r>
+          </a:p>
+          <a:p>
+            <a:r>
+              <a:rPr lang="en-US" altLang="zh-CN" sz="2000" dirty="0" smtClean="0"/>
+              <a:t>shell) </a:t>
+            </a:r>
+            <a:r>
+              <a:rPr lang="en-US" altLang="zh-CN" sz="2000" u="sng" dirty="0" err="1" smtClean="0">
+                <a:solidFill>
+                  <a:srgbClr val="C00000"/>
+                </a:solidFill>
+              </a:rPr>
+              <a:t>cd</a:t>
+            </a:r>
+            <a:r>
+              <a:rPr lang="en-US" altLang="zh-CN" sz="2000" u="sng" dirty="0" smtClean="0">
+                <a:solidFill>
+                  <a:srgbClr val="C00000"/>
+                </a:solidFill>
+              </a:rPr>
+              <a:t> data/data</a:t>
+            </a:r>
+          </a:p>
+          <a:p>
+            <a:r>
+              <a:rPr lang="en-US" altLang="zh-CN" sz="2000" dirty="0" smtClean="0"/>
+              <a:t>shell) </a:t>
+            </a:r>
+            <a:r>
+              <a:rPr lang="en-US" altLang="zh-CN" sz="2000" u="sng" dirty="0" err="1" smtClean="0">
+                <a:solidFill>
+                  <a:srgbClr val="C00000"/>
+                </a:solidFill>
+              </a:rPr>
+              <a:t>cd</a:t>
+            </a:r>
+            <a:r>
+              <a:rPr lang="en-US" altLang="zh-CN" sz="2000" u="sng" dirty="0" smtClean="0">
+                <a:solidFill>
+                  <a:srgbClr val="C00000"/>
+                </a:solidFill>
+              </a:rPr>
+              <a:t> </a:t>
+            </a:r>
+            <a:r>
+              <a:rPr lang="en-US" altLang="zh-CN" sz="2000" u="sng" dirty="0" err="1" smtClean="0">
+                <a:solidFill>
+                  <a:srgbClr val="C00000"/>
+                </a:solidFill>
+              </a:rPr>
+              <a:t>com.broadsoft.xmdownload</a:t>
+            </a:r>
+            <a:endParaRPr lang="en-US" altLang="zh-CN" sz="2000" u="sng" dirty="0" smtClean="0">
+              <a:solidFill>
+                <a:srgbClr val="C00000"/>
+              </a:solidFill>
+            </a:endParaRPr>
+          </a:p>
+          <a:p>
+            <a:r>
+              <a:rPr lang="en-US" altLang="zh-CN" sz="2000" dirty="0" smtClean="0"/>
+              <a:t>shell) </a:t>
+            </a:r>
+            <a:r>
+              <a:rPr lang="en-US" altLang="zh-CN" sz="2000" u="sng" dirty="0" err="1" smtClean="0">
+                <a:solidFill>
+                  <a:srgbClr val="C00000"/>
+                </a:solidFill>
+              </a:rPr>
+              <a:t>ls</a:t>
+            </a:r>
+            <a:endParaRPr lang="en-US" altLang="zh-CN" sz="2000" u="sng" dirty="0" smtClean="0">
+              <a:solidFill>
+                <a:srgbClr val="C00000"/>
+              </a:solidFill>
+            </a:endParaRPr>
+          </a:p>
+          <a:p>
+            <a:r>
+              <a:rPr lang="en-US" altLang="zh-CN" sz="2000" dirty="0" smtClean="0"/>
+              <a:t>shell) </a:t>
+            </a:r>
+            <a:r>
+              <a:rPr lang="en-US" altLang="zh-CN" sz="2000" u="sng" dirty="0" err="1" smtClean="0">
+                <a:solidFill>
+                  <a:srgbClr val="C00000"/>
+                </a:solidFill>
+              </a:rPr>
+              <a:t>cd</a:t>
+            </a:r>
+            <a:r>
+              <a:rPr lang="en-US" altLang="zh-CN" sz="2000" u="sng" dirty="0" smtClean="0">
+                <a:solidFill>
+                  <a:srgbClr val="C00000"/>
+                </a:solidFill>
+              </a:rPr>
+              <a:t> databases</a:t>
+            </a:r>
+          </a:p>
+          <a:p>
+            <a:r>
+              <a:rPr lang="en-US" altLang="zh-CN" sz="2000" dirty="0" smtClean="0"/>
+              <a:t>shell) </a:t>
+            </a:r>
+            <a:r>
+              <a:rPr lang="en-US" altLang="zh-CN" sz="2000" dirty="0" smtClean="0">
+                <a:solidFill>
+                  <a:srgbClr val="C00000"/>
+                </a:solidFill>
+              </a:rPr>
+              <a:t>sqlite3 </a:t>
+            </a:r>
+            <a:r>
+              <a:rPr lang="en-US" altLang="zh-CN" sz="2000" u="sng" dirty="0" err="1" smtClean="0">
+                <a:solidFill>
+                  <a:srgbClr val="C00000"/>
+                </a:solidFill>
+              </a:rPr>
+              <a:t>xmeeting</a:t>
+            </a:r>
+            <a:endParaRPr lang="en-US" altLang="zh-CN" sz="2000" u="sng" dirty="0" smtClean="0">
+              <a:solidFill>
+                <a:srgbClr val="C00000"/>
+              </a:solidFill>
+            </a:endParaRPr>
+          </a:p>
+          <a:p>
+            <a:r>
+              <a:rPr lang="en-US" altLang="zh-CN" sz="2000" u="sng" dirty="0" err="1" smtClean="0"/>
+              <a:t>sqllite</a:t>
+            </a:r>
+            <a:r>
+              <a:rPr lang="en-US" altLang="zh-CN" sz="2000" u="sng" dirty="0" smtClean="0"/>
+              <a:t>) </a:t>
+            </a:r>
+            <a:r>
+              <a:rPr lang="en-US" altLang="zh-CN" sz="2000" u="sng" dirty="0" smtClean="0">
+                <a:solidFill>
+                  <a:srgbClr val="7030A0"/>
+                </a:solidFill>
+              </a:rPr>
+              <a:t>.tables</a:t>
+            </a:r>
+          </a:p>
+          <a:p>
+            <a:r>
+              <a:rPr lang="en-US" altLang="zh-CN" sz="2000" u="sng" dirty="0" err="1" smtClean="0"/>
+              <a:t>sqllite</a:t>
+            </a:r>
+            <a:r>
+              <a:rPr lang="en-US" altLang="zh-CN" sz="2000" u="sng" dirty="0" smtClean="0"/>
+              <a:t>) </a:t>
+            </a:r>
+            <a:r>
+              <a:rPr lang="en-US" altLang="zh-CN" sz="2000" u="sng" dirty="0" smtClean="0">
+                <a:solidFill>
+                  <a:srgbClr val="7030A0"/>
+                </a:solidFill>
+              </a:rPr>
+              <a:t>select </a:t>
+            </a:r>
+            <a:r>
+              <a:rPr lang="en-US" altLang="zh-CN" sz="2000" u="sng" dirty="0" err="1" smtClean="0">
+                <a:solidFill>
+                  <a:srgbClr val="7030A0"/>
+                </a:solidFill>
+              </a:rPr>
+              <a:t>meeting_id,status</a:t>
+            </a:r>
+            <a:r>
+              <a:rPr lang="en-US" altLang="zh-CN" sz="2000" u="sng" dirty="0" smtClean="0">
+                <a:solidFill>
+                  <a:srgbClr val="7030A0"/>
+                </a:solidFill>
+              </a:rPr>
+              <a:t> from </a:t>
+            </a:r>
+            <a:r>
+              <a:rPr lang="en-US" altLang="zh-CN" sz="2000" u="sng" dirty="0" err="1" smtClean="0">
+                <a:solidFill>
+                  <a:srgbClr val="7030A0"/>
+                </a:solidFill>
+              </a:rPr>
+              <a:t>downloadinfo</a:t>
+            </a:r>
+            <a:r>
+              <a:rPr lang="en-US" altLang="zh-CN" sz="2000" u="sng" dirty="0" smtClean="0">
+                <a:solidFill>
+                  <a:srgbClr val="7030A0"/>
+                </a:solidFill>
+              </a:rPr>
+              <a:t>;</a:t>
+            </a:r>
+          </a:p>
+          <a:p>
+            <a:r>
+              <a:rPr lang="en-US" altLang="zh-CN" sz="2000" u="sng" dirty="0" err="1" smtClean="0"/>
+              <a:t>sqllite</a:t>
+            </a:r>
+            <a:r>
+              <a:rPr lang="en-US" altLang="zh-CN" sz="2000" u="sng" dirty="0" smtClean="0"/>
+              <a:t>) </a:t>
+            </a:r>
+            <a:r>
+              <a:rPr lang="en-US" altLang="zh-CN" sz="2000" u="sng" dirty="0" smtClean="0">
+                <a:solidFill>
+                  <a:srgbClr val="7030A0"/>
+                </a:solidFill>
+              </a:rPr>
+              <a:t>select * from </a:t>
+            </a:r>
+            <a:r>
+              <a:rPr lang="en-US" altLang="zh-CN" sz="2000" u="sng" dirty="0" err="1" smtClean="0">
+                <a:solidFill>
+                  <a:srgbClr val="7030A0"/>
+                </a:solidFill>
+              </a:rPr>
+              <a:t>downloadinfo</a:t>
+            </a:r>
+            <a:r>
+              <a:rPr lang="en-US" altLang="zh-CN" sz="2000" u="sng" dirty="0" smtClean="0">
+                <a:solidFill>
+                  <a:srgbClr val="7030A0"/>
+                </a:solidFill>
+              </a:rPr>
+              <a:t>;</a:t>
+            </a:r>
+            <a:endParaRPr lang="zh-CN" altLang="en-US" sz="2000" dirty="0">
+              <a:solidFill>
+                <a:srgbClr val="7030A0"/>
+              </a:solidFill>
+            </a:endParaRPr>
+          </a:p>
+        </p:txBody>
+      </p:sp>
+    </p:spTree>
+  </p:cSld>
+  <p:clrMapOvr>
+    <a:masterClrMapping/>
+  </p:clrMapOvr>
+</p:sld>
+</file>
+
 <file path=ppt/slides/slide2.xml><?xml version="1.0" encoding="utf-8"?>
 <p:sld xmlns:a="http://schemas.openxmlformats.org/drawingml/2006/main" xmlns:r="http://schemas.openxmlformats.org/officeDocument/2006/relationships" xmlns:p="http://schemas.openxmlformats.org/presentationml/2006/main">
   <p:cSld>
@@ -6097,31 +6538,76 @@
           <a:p>
             <a:r>
               <a:rPr lang="zh-CN" altLang="en-US" dirty="0" smtClean="0"/>
-              <a:t>公司信息</a:t>
+              <a:t>会议安排</a:t>
             </a:r>
             <a:endParaRPr lang="zh-CN" altLang="en-US" dirty="0"/>
           </a:p>
         </p:txBody>
       </p:sp>
-      <p:sp>
-        <p:nvSpPr>
-          <p:cNvPr id="3" name="内容占位符 2"/>
-          <p:cNvSpPr>
-            <a:spLocks noGrp="1"/>
-          </p:cNvSpPr>
-          <p:nvPr>
-            <p:ph idx="1"/>
-          </p:nvPr>
-        </p:nvSpPr>
-        <p:spPr/>
-        <p:txBody>
-          <a:bodyPr/>
-          <a:lstStyle/>
-          <a:p>
-            <a:endParaRPr lang="zh-CN" altLang="en-US" dirty="0"/>
-          </a:p>
-        </p:txBody>
-      </p:sp>
+      <p:pic>
+        <p:nvPicPr>
+          <p:cNvPr id="1026" name="Picture 2"/>
+          <p:cNvPicPr>
+            <a:picLocks noChangeAspect="1" noChangeArrowheads="1"/>
+          </p:cNvPicPr>
+          <p:nvPr/>
+        </p:nvPicPr>
+        <p:blipFill>
+          <a:blip r:embed="rId3" cstate="print"/>
+          <a:srcRect/>
+          <a:stretch>
+            <a:fillRect/>
+          </a:stretch>
+        </p:blipFill>
+        <p:spPr bwMode="auto">
+          <a:xfrm>
+            <a:off x="179512" y="1700808"/>
+            <a:ext cx="4972050" cy="2943225"/>
+          </a:xfrm>
+          <a:prstGeom prst="rect">
+            <a:avLst/>
+          </a:prstGeom>
+          <a:noFill/>
+          <a:ln w="9525">
+            <a:noFill/>
+            <a:miter lim="800000"/>
+            <a:headEnd/>
+            <a:tailEnd/>
+          </a:ln>
+        </p:spPr>
+      </p:pic>
+      <p:pic>
+        <p:nvPicPr>
+          <p:cNvPr id="1028" name="Picture 4"/>
+          <p:cNvPicPr>
+            <a:picLocks noChangeAspect="1" noChangeArrowheads="1"/>
+          </p:cNvPicPr>
+          <p:nvPr/>
+        </p:nvPicPr>
+        <p:blipFill>
+          <a:blip r:embed="rId4" cstate="print"/>
+          <a:srcRect/>
+          <a:stretch>
+            <a:fillRect/>
+          </a:stretch>
+        </p:blipFill>
+        <p:spPr bwMode="auto">
+          <a:xfrm>
+            <a:off x="4438650" y="1700808"/>
+            <a:ext cx="4705350" cy="3486150"/>
+          </a:xfrm>
+          <a:prstGeom prst="rect">
+            <a:avLst/>
+          </a:prstGeom>
+          <a:noFill/>
+          <a:ln w="9525">
+            <a:noFill/>
+            <a:miter lim="800000"/>
+            <a:headEnd/>
+            <a:tailEnd/>
+          </a:ln>
+        </p:spPr>
+      </p:pic>
     </p:spTree>
   </p:cSld>
   <p:clrMapOvr>
@@ -6131,6 +6617,73 @@
 </file>
 
 <file path=ppt/slides/slide8.xml><?xml version="1.0" encoding="utf-8"?>
+<p:sld xmlns:a="http://schemas.openxmlformats.org/drawingml/2006/main" xmlns:r="http://schemas.openxmlformats.org/officeDocument/2006/relationships" xmlns:p="http://schemas.openxmlformats.org/presentationml/2006/main">
+  <p:cSld>
+    <p:spTree>
+      <p:nvGrpSpPr>
+        <p:cNvPr id="1" name=""/>
+        <p:cNvGrpSpPr/>
+        <p:nvPr/>
+      </p:nvGrpSpPr>
+      <p:grpSpPr>
+        <a:xfrm>
+          <a:off x="0" y="0"/>
+          <a:ext cx="0" cy="0"/>
+          <a:chOff x="0" y="0"/>
+          <a:chExt cx="0" cy="0"/>
+        </a:xfrm>
+      </p:grpSpPr>
+      <p:sp>
+        <p:nvSpPr>
+          <p:cNvPr id="2" name="标题 1"/>
+          <p:cNvSpPr>
+            <a:spLocks noGrp="1"/>
+          </p:cNvSpPr>
+          <p:nvPr>
+            <p:ph type="title"/>
+          </p:nvPr>
+        </p:nvSpPr>
+        <p:spPr/>
+        <p:txBody>
+          <a:bodyPr/>
+          <a:lstStyle/>
+          <a:p>
+            <a:r>
+              <a:rPr lang="zh-CN" altLang="en-US" dirty="0" smtClean="0"/>
+              <a:t>公司信息</a:t>
+            </a:r>
+            <a:endParaRPr lang="zh-CN" altLang="en-US" dirty="0"/>
+          </a:p>
+        </p:txBody>
+      </p:sp>
+      <p:sp>
+        <p:nvSpPr>
+          <p:cNvPr id="3" name="内容占位符 2"/>
+          <p:cNvSpPr>
+            <a:spLocks noGrp="1"/>
+          </p:cNvSpPr>
+          <p:nvPr>
+            <p:ph idx="1"/>
+          </p:nvPr>
+        </p:nvSpPr>
+        <p:spPr/>
+        <p:txBody>
+          <a:bodyPr/>
+          <a:lstStyle/>
+          <a:p>
+            <a:endParaRPr lang="zh-CN" altLang="en-US" dirty="0"/>
+          </a:p>
+        </p:txBody>
+      </p:sp>
+    </p:spTree>
+  </p:cSld>
+  <p:clrMapOvr>
+    <a:masterClrMapping/>
+  </p:clrMapOvr>
+</p:sld>
+</file>
+
+<file path=ppt/slides/slide9.xml><?xml version="1.0" encoding="utf-8"?>
 <p:sld xmlns:a="http://schemas.openxmlformats.org/drawingml/2006/main" xmlns:r="http://schemas.openxmlformats.org/officeDocument/2006/relationships" xmlns:p="http://schemas.openxmlformats.org/presentationml/2006/main">
   <p:cSld>
     <p:spTree>
@@ -6202,364 +6755,6 @@
           </a:ln>
         </p:spPr>
       </p:pic>
-    </p:spTree>
-  </p:cSld>
-  <p:clrMapOvr>
-    <a:masterClrMapping/>
-  </p:clrMapOvr>
-</p:sld>
-</file>
-
-<file path=ppt/slides/slide9.xml><?xml version="1.0" encoding="utf-8"?>
-<p:sld xmlns:a="http://schemas.openxmlformats.org/drawingml/2006/main" xmlns:r="http://schemas.openxmlformats.org/officeDocument/2006/relationships" xmlns:p="http://schemas.openxmlformats.org/presentationml/2006/main">
-  <p:cSld>
-    <p:spTree>
-      <p:nvGrpSpPr>
-        <p:cNvPr id="1" name=""/>
-        <p:cNvGrpSpPr/>
-        <p:nvPr/>
-      </p:nvGrpSpPr>
-      <p:grpSpPr>
-        <a:xfrm>
-          <a:off x="0" y="0"/>
-          <a:ext cx="0" cy="0"/>
-          <a:chOff x="0" y="0"/>
-          <a:chExt cx="0" cy="0"/>
-        </a:xfrm>
-      </p:grpSpPr>
-      <p:sp>
-        <p:nvSpPr>
-          <p:cNvPr id="2" name="标题 1"/>
-          <p:cNvSpPr>
-            <a:spLocks noGrp="1"/>
-          </p:cNvSpPr>
-          <p:nvPr>
-            <p:ph type="title"/>
-          </p:nvPr>
-        </p:nvSpPr>
-        <p:spPr/>
-        <p:txBody>
-          <a:bodyPr/>
-          <a:lstStyle/>
-          <a:p>
-            <a:r>
-              <a:rPr lang="en-US" altLang="zh-CN" dirty="0" smtClean="0"/>
-              <a:t>Android </a:t>
-            </a:r>
-            <a:r>
-              <a:rPr lang="en-US" altLang="zh-CN" dirty="0" err="1" smtClean="0"/>
-              <a:t>Sqlite</a:t>
-            </a:r>
-            <a:r>
-              <a:rPr lang="en-US" altLang="zh-CN" dirty="0" smtClean="0"/>
-              <a:t> ADB Tool</a:t>
-            </a:r>
-            <a:endParaRPr lang="zh-CN" altLang="en-US" dirty="0"/>
-          </a:p>
-        </p:txBody>
-      </p:sp>
-      <p:sp>
-        <p:nvSpPr>
-          <p:cNvPr id="3" name="内容占位符 2"/>
-          <p:cNvSpPr>
-            <a:spLocks noGrp="1"/>
-          </p:cNvSpPr>
-          <p:nvPr>
-            <p:ph idx="1"/>
-          </p:nvPr>
-        </p:nvSpPr>
-        <p:spPr/>
-        <p:txBody>
-          <a:bodyPr>
-            <a:normAutofit/>
-          </a:bodyPr>
-          <a:lstStyle/>
-          <a:p>
-            <a:r>
-              <a:rPr lang="en-US" altLang="zh-CN" sz="2000" dirty="0" smtClean="0"/>
-              <a:t>command) </a:t>
-            </a:r>
-            <a:r>
-              <a:rPr lang="en-US" altLang="zh-CN" sz="2000" dirty="0" err="1" smtClean="0">
-                <a:solidFill>
-                  <a:srgbClr val="FF0000"/>
-                </a:solidFill>
-              </a:rPr>
-              <a:t>cd</a:t>
-            </a:r>
-            <a:r>
-              <a:rPr lang="en-US" altLang="zh-CN" sz="2000" dirty="0" smtClean="0">
-                <a:solidFill>
-                  <a:srgbClr val="FF0000"/>
-                </a:solidFill>
-              </a:rPr>
-              <a:t> D:\02-FounderResources\Android_Tool\android-</a:t>
-            </a:r>
-            <a:r>
-              <a:rPr lang="en-US" altLang="zh-CN" sz="2000" u="sng" dirty="0" smtClean="0">
-                <a:solidFill>
-                  <a:srgbClr val="FF0000"/>
-                </a:solidFill>
-              </a:rPr>
-              <a:t>sdk\platform-tools</a:t>
-            </a:r>
-          </a:p>
-          <a:p>
-            <a:r>
-              <a:rPr lang="en-US" altLang="zh-CN" sz="2000" dirty="0" smtClean="0"/>
-              <a:t>command) </a:t>
-            </a:r>
-            <a:r>
-              <a:rPr lang="en-US" altLang="zh-CN" sz="2000" u="sng" dirty="0" err="1" smtClean="0">
-                <a:solidFill>
-                  <a:srgbClr val="FF0000"/>
-                </a:solidFill>
-              </a:rPr>
-              <a:t>adb</a:t>
-            </a:r>
-            <a:r>
-              <a:rPr lang="en-US" altLang="zh-CN" sz="2000" u="sng" dirty="0" smtClean="0">
-                <a:solidFill>
-                  <a:srgbClr val="FF0000"/>
-                </a:solidFill>
-              </a:rPr>
-              <a:t> shell</a:t>
-            </a:r>
-          </a:p>
-          <a:p>
-            <a:r>
-              <a:rPr lang="en-US" altLang="zh-CN" sz="2000" dirty="0" smtClean="0"/>
-              <a:t>shell) </a:t>
-            </a:r>
-            <a:r>
-              <a:rPr lang="en-US" altLang="zh-CN" sz="2000" u="sng" dirty="0" err="1" smtClean="0">
-                <a:solidFill>
-                  <a:srgbClr val="C00000"/>
-                </a:solidFill>
-              </a:rPr>
-              <a:t>cd</a:t>
-            </a:r>
-            <a:r>
-              <a:rPr lang="en-US" altLang="zh-CN" sz="2000" u="sng" dirty="0" smtClean="0">
-                <a:solidFill>
-                  <a:srgbClr val="C00000"/>
-                </a:solidFill>
-              </a:rPr>
-              <a:t> data/data</a:t>
-            </a:r>
-          </a:p>
-          <a:p>
-            <a:r>
-              <a:rPr lang="en-US" altLang="zh-CN" sz="2000" dirty="0" smtClean="0"/>
-              <a:t>shell) </a:t>
-            </a:r>
-            <a:r>
-              <a:rPr lang="en-US" altLang="zh-CN" sz="2000" u="sng" dirty="0" err="1" smtClean="0">
-                <a:solidFill>
-                  <a:srgbClr val="C00000"/>
-                </a:solidFill>
-              </a:rPr>
-              <a:t>cd</a:t>
-            </a:r>
-            <a:r>
-              <a:rPr lang="en-US" altLang="zh-CN" sz="2000" u="sng" dirty="0" smtClean="0">
-                <a:solidFill>
-                  <a:srgbClr val="C00000"/>
-                </a:solidFill>
-              </a:rPr>
-              <a:t> </a:t>
-            </a:r>
-            <a:r>
-              <a:rPr lang="en-US" altLang="zh-CN" sz="2000" u="sng" dirty="0" err="1" smtClean="0">
-                <a:solidFill>
-                  <a:srgbClr val="C00000"/>
-                </a:solidFill>
-              </a:rPr>
-              <a:t>com.broadsoft.xmdownload</a:t>
-            </a:r>
-            <a:endParaRPr lang="en-US" altLang="zh-CN" sz="2000" u="sng" dirty="0" smtClean="0">
-              <a:solidFill>
-                <a:srgbClr val="C00000"/>
-              </a:solidFill>
-            </a:endParaRPr>
-          </a:p>
-          <a:p>
-            <a:r>
-              <a:rPr lang="en-US" altLang="zh-CN" sz="2000" dirty="0" smtClean="0"/>
-              <a:t>shell) </a:t>
-            </a:r>
-            <a:r>
-              <a:rPr lang="en-US" altLang="zh-CN" sz="2000" u="sng" dirty="0" err="1" smtClean="0">
-                <a:solidFill>
-                  <a:srgbClr val="C00000"/>
-                </a:solidFill>
-              </a:rPr>
-              <a:t>ls</a:t>
-            </a:r>
-            <a:endParaRPr lang="en-US" altLang="zh-CN" sz="2000" u="sng" dirty="0" smtClean="0">
-              <a:solidFill>
-                <a:srgbClr val="C00000"/>
-              </a:solidFill>
-            </a:endParaRPr>
-          </a:p>
-          <a:p>
-            <a:r>
-              <a:rPr lang="en-US" altLang="zh-CN" sz="2000" dirty="0" smtClean="0"/>
-              <a:t>shell) </a:t>
-            </a:r>
-            <a:r>
-              <a:rPr lang="en-US" altLang="zh-CN" sz="2000" u="sng" dirty="0" err="1" smtClean="0">
-                <a:solidFill>
-                  <a:srgbClr val="C00000"/>
-                </a:solidFill>
-              </a:rPr>
-              <a:t>cd</a:t>
-            </a:r>
-            <a:r>
-              <a:rPr lang="en-US" altLang="zh-CN" sz="2000" u="sng" dirty="0" smtClean="0">
-                <a:solidFill>
-                  <a:srgbClr val="C00000"/>
-                </a:solidFill>
-              </a:rPr>
-              <a:t> databases</a:t>
-            </a:r>
-          </a:p>
-          <a:p>
-            <a:r>
-              <a:rPr lang="en-US" altLang="zh-CN" sz="2000" dirty="0" smtClean="0"/>
-              <a:t>shell) </a:t>
-            </a:r>
-            <a:r>
-              <a:rPr lang="en-US" altLang="zh-CN" sz="2000" dirty="0" smtClean="0">
-                <a:solidFill>
-                  <a:srgbClr val="C00000"/>
-                </a:solidFill>
-              </a:rPr>
-              <a:t>sqlite3 </a:t>
-            </a:r>
-            <a:r>
-              <a:rPr lang="en-US" altLang="zh-CN" sz="2000" u="sng" dirty="0" err="1" smtClean="0">
-                <a:solidFill>
-                  <a:srgbClr val="C00000"/>
-                </a:solidFill>
-              </a:rPr>
-              <a:t>xmeeting</a:t>
-            </a:r>
-            <a:endParaRPr lang="en-US" altLang="zh-CN" sz="2000" u="sng" dirty="0" smtClean="0">
-              <a:solidFill>
-                <a:srgbClr val="C00000"/>
-              </a:solidFill>
-            </a:endParaRPr>
-          </a:p>
-          <a:p>
-            <a:r>
-              <a:rPr lang="en-US" altLang="zh-CN" sz="2000" u="sng" dirty="0" err="1" smtClean="0"/>
-              <a:t>sqllite</a:t>
-            </a:r>
-            <a:r>
-              <a:rPr lang="en-US" altLang="zh-CN" sz="2000" u="sng" dirty="0" smtClean="0"/>
-              <a:t>) </a:t>
-            </a:r>
-            <a:r>
-              <a:rPr lang="en-US" altLang="zh-CN" sz="2000" u="sng" dirty="0" smtClean="0">
-                <a:solidFill>
-                  <a:srgbClr val="7030A0"/>
-                </a:solidFill>
-              </a:rPr>
-              <a:t>.tables</a:t>
-            </a:r>
-          </a:p>
-          <a:p>
-            <a:r>
-              <a:rPr lang="en-US" altLang="zh-CN" sz="2000" u="sng" dirty="0" err="1" smtClean="0"/>
-              <a:t>sqllite</a:t>
-            </a:r>
-            <a:r>
-              <a:rPr lang="en-US" altLang="zh-CN" sz="2000" u="sng" dirty="0" smtClean="0"/>
-              <a:t>) </a:t>
-            </a:r>
-            <a:r>
-              <a:rPr lang="en-US" altLang="zh-CN" sz="2000" u="sng" dirty="0" smtClean="0">
-                <a:solidFill>
-                  <a:srgbClr val="7030A0"/>
-                </a:solidFill>
-              </a:rPr>
-              <a:t>select </a:t>
-            </a:r>
-            <a:r>
-              <a:rPr lang="en-US" altLang="zh-CN" sz="2000" u="sng" dirty="0" err="1" smtClean="0">
-                <a:solidFill>
-                  <a:srgbClr val="7030A0"/>
-                </a:solidFill>
-              </a:rPr>
-              <a:t>meeting_id,status</a:t>
-            </a:r>
-            <a:r>
-              <a:rPr lang="en-US" altLang="zh-CN" sz="2000" u="sng" dirty="0" smtClean="0">
-                <a:solidFill>
-                  <a:srgbClr val="7030A0"/>
-                </a:solidFill>
-              </a:rPr>
-              <a:t> from </a:t>
-            </a:r>
-            <a:r>
-              <a:rPr lang="en-US" altLang="zh-CN" sz="2000" u="sng" dirty="0" err="1" smtClean="0">
-                <a:solidFill>
-                  <a:srgbClr val="7030A0"/>
-                </a:solidFill>
-              </a:rPr>
-              <a:t>downloadinfo</a:t>
-            </a:r>
-            <a:r>
-              <a:rPr lang="en-US" altLang="zh-CN" sz="2000" u="sng" dirty="0" smtClean="0">
-                <a:solidFill>
-                  <a:srgbClr val="7030A0"/>
-                </a:solidFill>
-              </a:rPr>
-              <a:t>;</a:t>
-            </a:r>
-          </a:p>
-          <a:p>
-            <a:r>
-              <a:rPr lang="en-US" altLang="zh-CN" sz="2000" u="sng" dirty="0" err="1" smtClean="0"/>
-              <a:t>sqllite</a:t>
-            </a:r>
-            <a:r>
-              <a:rPr lang="en-US" altLang="zh-CN" sz="2000" u="sng" dirty="0" smtClean="0"/>
-              <a:t>) </a:t>
-            </a:r>
-            <a:r>
-              <a:rPr lang="en-US" altLang="zh-CN" sz="2000" u="sng" dirty="0" smtClean="0">
-                <a:solidFill>
-                  <a:srgbClr val="7030A0"/>
-                </a:solidFill>
-              </a:rPr>
-              <a:t>select * from </a:t>
-            </a:r>
-            <a:r>
-              <a:rPr lang="en-US" altLang="zh-CN" sz="2000" u="sng" dirty="0" err="1" smtClean="0">
-                <a:solidFill>
-                  <a:srgbClr val="7030A0"/>
-                </a:solidFill>
-              </a:rPr>
-              <a:t>downloadinfo</a:t>
-            </a:r>
-            <a:r>
-              <a:rPr lang="en-US" altLang="zh-CN" sz="2000" u="sng" dirty="0" smtClean="0">
-                <a:solidFill>
-                  <a:srgbClr val="7030A0"/>
-                </a:solidFill>
-              </a:rPr>
-              <a:t>;</a:t>
-            </a:r>
-            <a:endParaRPr lang="zh-CN" altLang="en-US" sz="2000" dirty="0">
-              <a:solidFill>
-                <a:srgbClr val="7030A0"/>
-              </a:solidFill>
-            </a:endParaRPr>
-          </a:p>
-        </p:txBody>
-      </p:sp>
     </p:spTree>
   </p:cSld>
   <p:clrMapOvr>

--- a/sourcecode/project/xmeeting/doc/前后台交互服务设计.pptx
+++ b/sourcecode/project/xmeeting/doc/前后台交互服务设计.pptx
@@ -5,7 +5,7 @@
     <p:sldMasterId id="2147483648" r:id="rId1"/>
   </p:sldMasterIdLst>
   <p:notesMasterIdLst>
-    <p:notesMasterId r:id="rId12"/>
+    <p:notesMasterId r:id="rId13"/>
   </p:notesMasterIdLst>
   <p:sldIdLst>
     <p:sldId id="256" r:id="rId2"/>
@@ -15,9 +15,10 @@
     <p:sldId id="259" r:id="rId6"/>
     <p:sldId id="261" r:id="rId7"/>
     <p:sldId id="265" r:id="rId8"/>
-    <p:sldId id="263" r:id="rId9"/>
-    <p:sldId id="264" r:id="rId10"/>
-    <p:sldId id="262" r:id="rId11"/>
+    <p:sldId id="266" r:id="rId9"/>
+    <p:sldId id="263" r:id="rId10"/>
+    <p:sldId id="264" r:id="rId11"/>
+    <p:sldId id="262" r:id="rId12"/>
   </p:sldIdLst>
   <p:sldSz cx="9144000" cy="6858000" type="screen4x3"/>
   <p:notesSz cx="6858000" cy="9144000"/>
@@ -202,7 +203,7 @@
             <a:fld id="{5A723B83-D08C-45CF-9490-089EDB871223}" type="datetimeFigureOut">
               <a:rPr lang="zh-CN" altLang="en-US" smtClean="0"/>
               <a:pPr/>
-              <a:t>2013/6/24</a:t>
+              <a:t>2013/7/5</a:t>
             </a:fld>
             <a:endParaRPr lang="zh-CN" altLang="en-US"/>
           </a:p>
@@ -898,7 +899,7 @@
             <a:fld id="{EE6EE697-8EC0-401B-9178-CA21F13AA7A4}" type="slidenum">
               <a:rPr lang="zh-CN" altLang="en-US" smtClean="0"/>
               <a:pPr/>
-              <a:t>8</a:t>
+              <a:t>9</a:t>
             </a:fld>
             <a:endParaRPr lang="zh-CN" altLang="en-US"/>
           </a:p>
@@ -1094,7 +1095,7 @@
             <a:fld id="{530820CF-B880-4189-942D-D702A7CBA730}" type="datetimeFigureOut">
               <a:rPr lang="zh-CN" altLang="en-US" smtClean="0"/>
               <a:pPr/>
-              <a:t>2013/6/24</a:t>
+              <a:t>2013/7/5</a:t>
             </a:fld>
             <a:endParaRPr lang="zh-CN" altLang="en-US"/>
           </a:p>
@@ -1261,7 +1262,7 @@
             <a:fld id="{530820CF-B880-4189-942D-D702A7CBA730}" type="datetimeFigureOut">
               <a:rPr lang="zh-CN" altLang="en-US" smtClean="0"/>
               <a:pPr/>
-              <a:t>2013/6/24</a:t>
+              <a:t>2013/7/5</a:t>
             </a:fld>
             <a:endParaRPr lang="zh-CN" altLang="en-US"/>
           </a:p>
@@ -1438,7 +1439,7 @@
             <a:fld id="{530820CF-B880-4189-942D-D702A7CBA730}" type="datetimeFigureOut">
               <a:rPr lang="zh-CN" altLang="en-US" smtClean="0"/>
               <a:pPr/>
-              <a:t>2013/6/24</a:t>
+              <a:t>2013/7/5</a:t>
             </a:fld>
             <a:endParaRPr lang="zh-CN" altLang="en-US"/>
           </a:p>
@@ -1605,7 +1606,7 @@
             <a:fld id="{530820CF-B880-4189-942D-D702A7CBA730}" type="datetimeFigureOut">
               <a:rPr lang="zh-CN" altLang="en-US" smtClean="0"/>
               <a:pPr/>
-              <a:t>2013/6/24</a:t>
+              <a:t>2013/7/5</a:t>
             </a:fld>
             <a:endParaRPr lang="zh-CN" altLang="en-US"/>
           </a:p>
@@ -1848,7 +1849,7 @@
             <a:fld id="{530820CF-B880-4189-942D-D702A7CBA730}" type="datetimeFigureOut">
               <a:rPr lang="zh-CN" altLang="en-US" smtClean="0"/>
               <a:pPr/>
-              <a:t>2013/6/24</a:t>
+              <a:t>2013/7/5</a:t>
             </a:fld>
             <a:endParaRPr lang="zh-CN" altLang="en-US"/>
           </a:p>
@@ -2133,7 +2134,7 @@
             <a:fld id="{530820CF-B880-4189-942D-D702A7CBA730}" type="datetimeFigureOut">
               <a:rPr lang="zh-CN" altLang="en-US" smtClean="0"/>
               <a:pPr/>
-              <a:t>2013/6/24</a:t>
+              <a:t>2013/7/5</a:t>
             </a:fld>
             <a:endParaRPr lang="zh-CN" altLang="en-US"/>
           </a:p>
@@ -2552,7 +2553,7 @@
             <a:fld id="{530820CF-B880-4189-942D-D702A7CBA730}" type="datetimeFigureOut">
               <a:rPr lang="zh-CN" altLang="en-US" smtClean="0"/>
               <a:pPr/>
-              <a:t>2013/6/24</a:t>
+              <a:t>2013/7/5</a:t>
             </a:fld>
             <a:endParaRPr lang="zh-CN" altLang="en-US"/>
           </a:p>
@@ -2667,7 +2668,7 @@
             <a:fld id="{530820CF-B880-4189-942D-D702A7CBA730}" type="datetimeFigureOut">
               <a:rPr lang="zh-CN" altLang="en-US" smtClean="0"/>
               <a:pPr/>
-              <a:t>2013/6/24</a:t>
+              <a:t>2013/7/5</a:t>
             </a:fld>
             <a:endParaRPr lang="zh-CN" altLang="en-US"/>
           </a:p>
@@ -2759,7 +2760,7 @@
             <a:fld id="{530820CF-B880-4189-942D-D702A7CBA730}" type="datetimeFigureOut">
               <a:rPr lang="zh-CN" altLang="en-US" smtClean="0"/>
               <a:pPr/>
-              <a:t>2013/6/24</a:t>
+              <a:t>2013/7/5</a:t>
             </a:fld>
             <a:endParaRPr lang="zh-CN" altLang="en-US"/>
           </a:p>
@@ -3033,7 +3034,7 @@
             <a:fld id="{530820CF-B880-4189-942D-D702A7CBA730}" type="datetimeFigureOut">
               <a:rPr lang="zh-CN" altLang="en-US" smtClean="0"/>
               <a:pPr/>
-              <a:t>2013/6/24</a:t>
+              <a:t>2013/7/5</a:t>
             </a:fld>
             <a:endParaRPr lang="zh-CN" altLang="en-US"/>
           </a:p>
@@ -3283,7 +3284,7 @@
             <a:fld id="{530820CF-B880-4189-942D-D702A7CBA730}" type="datetimeFigureOut">
               <a:rPr lang="zh-CN" altLang="en-US" smtClean="0"/>
               <a:pPr/>
-              <a:t>2013/6/24</a:t>
+              <a:t>2013/7/5</a:t>
             </a:fld>
             <a:endParaRPr lang="zh-CN" altLang="en-US"/>
           </a:p>
@@ -3493,7 +3494,7 @@
             <a:fld id="{530820CF-B880-4189-942D-D702A7CBA730}" type="datetimeFigureOut">
               <a:rPr lang="zh-CN" altLang="en-US" smtClean="0"/>
               <a:pPr/>
-              <a:t>2013/6/24</a:t>
+              <a:t>2013/7/5</a:t>
             </a:fld>
             <a:endParaRPr lang="zh-CN" altLang="en-US"/>
           </a:p>
@@ -4972,6 +4973,86 @@
           <a:lstStyle/>
           <a:p>
             <a:r>
+              <a:rPr lang="zh-CN" altLang="en-US" dirty="0" smtClean="0"/>
+              <a:t>设备信息</a:t>
+            </a:r>
+            <a:endParaRPr lang="zh-CN" altLang="en-US" dirty="0"/>
+          </a:p>
+        </p:txBody>
+      </p:sp>
+      <p:pic>
+        <p:nvPicPr>
+          <p:cNvPr id="1026" name="Picture 2"/>
+          <p:cNvPicPr>
+            <a:picLocks noChangeAspect="1" noChangeArrowheads="1"/>
+          </p:cNvPicPr>
+          <p:nvPr/>
+        </p:nvPicPr>
+        <p:blipFill>
+          <a:blip r:embed="rId2" cstate="print"/>
+          <a:srcRect/>
+          <a:stretch>
+            <a:fillRect/>
+          </a:stretch>
+        </p:blipFill>
+        <p:spPr bwMode="auto">
+          <a:xfrm>
+            <a:off x="0" y="1484784"/>
+            <a:ext cx="5809135" cy="4248472"/>
+          </a:xfrm>
+          <a:prstGeom prst="rect">
+            <a:avLst/>
+          </a:prstGeom>
+          <a:noFill/>
+          <a:ln w="9525">
+            <a:noFill/>
+            <a:miter lim="800000"/>
+            <a:headEnd/>
+            <a:tailEnd/>
+          </a:ln>
+        </p:spPr>
+      </p:pic>
+    </p:spTree>
+  </p:cSld>
+  <p:clrMapOvr>
+    <a:masterClrMapping/>
+  </p:clrMapOvr>
+</p:sld>
+</file>
+
+<file path=ppt/slides/slide11.xml><?xml version="1.0" encoding="utf-8"?>
+<p:sld xmlns:a="http://schemas.openxmlformats.org/drawingml/2006/main" xmlns:r="http://schemas.openxmlformats.org/officeDocument/2006/relationships" xmlns:p="http://schemas.openxmlformats.org/presentationml/2006/main">
+  <p:cSld>
+    <p:spTree>
+      <p:nvGrpSpPr>
+        <p:cNvPr id="1" name=""/>
+        <p:cNvGrpSpPr/>
+        <p:nvPr/>
+      </p:nvGrpSpPr>
+      <p:grpSpPr>
+        <a:xfrm>
+          <a:off x="0" y="0"/>
+          <a:ext cx="0" cy="0"/>
+          <a:chOff x="0" y="0"/>
+          <a:chExt cx="0" cy="0"/>
+        </a:xfrm>
+      </p:grpSpPr>
+      <p:sp>
+        <p:nvSpPr>
+          <p:cNvPr id="2" name="标题 1"/>
+          <p:cNvSpPr>
+            <a:spLocks noGrp="1"/>
+          </p:cNvSpPr>
+          <p:nvPr>
+            <p:ph type="title"/>
+          </p:nvPr>
+        </p:nvSpPr>
+        <p:spPr/>
+        <p:txBody>
+          <a:bodyPr/>
+          <a:lstStyle/>
+          <a:p>
+            <a:r>
               <a:rPr lang="en-US" altLang="zh-CN" dirty="0" smtClean="0"/>
               <a:t>Android </a:t>
             </a:r>
@@ -6186,7 +6267,7 @@
         <p:spPr/>
         <p:txBody>
           <a:bodyPr>
-            <a:normAutofit fontScale="92500" lnSpcReduction="10000"/>
+            <a:normAutofit fontScale="85000" lnSpcReduction="20000"/>
           </a:bodyPr>
           <a:lstStyle/>
           <a:p>
@@ -6324,6 +6405,79 @@
               <a:rPr lang="en-US" altLang="zh-CN" dirty="0" smtClean="0"/>
               <a:t>}</a:t>
             </a:r>
+            <a:br>
+              <a:rPr lang="en-US" altLang="zh-CN" dirty="0" smtClean="0"/>
+            </a:br>
+            <a:endParaRPr lang="en-US" altLang="zh-CN" dirty="0" smtClean="0"/>
+          </a:p>
+          <a:p>
+            <a:r>
+              <a:rPr lang="zh-CN" altLang="en-US" dirty="0" smtClean="0">
+                <a:solidFill>
+                  <a:srgbClr val="FF0000"/>
+                </a:solidFill>
+              </a:rPr>
+              <a:t>服务人员</a:t>
+            </a:r>
+            <a:r>
+              <a:rPr lang="en-US" altLang="zh-CN" dirty="0" smtClean="0">
+                <a:solidFill>
+                  <a:srgbClr val="FF0000"/>
+                </a:solidFill>
+              </a:rPr>
+              <a:t>pad</a:t>
+            </a:r>
+            <a:r>
+              <a:rPr lang="zh-CN" altLang="en-US" dirty="0" smtClean="0">
+                <a:solidFill>
+                  <a:srgbClr val="FF0000"/>
+                </a:solidFill>
+              </a:rPr>
+              <a:t>信息</a:t>
+            </a:r>
+            <a:endParaRPr lang="en-US" altLang="zh-CN" dirty="0" smtClean="0">
+              <a:solidFill>
+                <a:srgbClr val="FF0000"/>
+              </a:solidFill>
+            </a:endParaRPr>
+          </a:p>
+          <a:p>
+            <a:pPr>
+              <a:buNone/>
+            </a:pPr>
+            <a:r>
+              <a:rPr lang="en-US" altLang="zh-CN" dirty="0" smtClean="0"/>
+              <a:t>/open/service/personnel/</a:t>
+            </a:r>
+            <a:r>
+              <a:rPr lang="en-US" altLang="zh-CN" dirty="0" err="1" smtClean="0"/>
+              <a:t>xmpdDeviceId</a:t>
+            </a:r>
+            <a:r>
+              <a:rPr lang="en-US" altLang="zh-CN" dirty="0" smtClean="0"/>
+              <a:t>/{</a:t>
+            </a:r>
+            <a:r>
+              <a:rPr lang="en-US" altLang="zh-CN" dirty="0" err="1" smtClean="0"/>
+              <a:t>xmpdDeviceId</a:t>
+            </a:r>
+            <a:r>
+              <a:rPr lang="en-US" altLang="zh-CN" dirty="0" smtClean="0"/>
+              <a:t>}</a:t>
+            </a:r>
+            <a:endParaRPr lang="en-US" altLang="zh-CN" dirty="0" smtClean="0"/>
+          </a:p>
+          <a:p>
+            <a:pPr>
+              <a:buNone/>
+            </a:pPr>
+            <a:endParaRPr lang="en-US" altLang="zh-CN" dirty="0" smtClean="0"/>
+          </a:p>
+          <a:p>
+            <a:pPr>
+              <a:buNone/>
+            </a:pPr>
+            <a:endParaRPr lang="en-US" altLang="zh-CN" dirty="0" smtClean="0"/>
           </a:p>
           <a:p>
             <a:pPr>
@@ -6650,31 +6804,44 @@
           <a:p>
             <a:r>
               <a:rPr lang="zh-CN" altLang="en-US" dirty="0" smtClean="0"/>
-              <a:t>公司信息</a:t>
+              <a:t>人员信息</a:t>
             </a:r>
             <a:endParaRPr lang="zh-CN" altLang="en-US" dirty="0"/>
           </a:p>
         </p:txBody>
       </p:sp>
-      <p:sp>
-        <p:nvSpPr>
-          <p:cNvPr id="3" name="内容占位符 2"/>
-          <p:cNvSpPr>
-            <a:spLocks noGrp="1"/>
-          </p:cNvSpPr>
-          <p:nvPr>
-            <p:ph idx="1"/>
-          </p:nvPr>
-        </p:nvSpPr>
-        <p:spPr/>
-        <p:txBody>
-          <a:bodyPr/>
-          <a:lstStyle/>
-          <a:p>
-            <a:endParaRPr lang="zh-CN" altLang="en-US" dirty="0"/>
-          </a:p>
-        </p:txBody>
-      </p:sp>
+      <p:pic>
+        <p:nvPicPr>
+          <p:cNvPr id="1026" name="Picture 2"/>
+          <p:cNvPicPr>
+            <a:picLocks noChangeAspect="1" noChangeArrowheads="1"/>
+          </p:cNvPicPr>
+          <p:nvPr/>
+        </p:nvPicPr>
+        <p:blipFill>
+          <a:blip r:embed="rId2" cstate="print"/>
+          <a:srcRect/>
+          <a:stretch>
+            <a:fillRect/>
+          </a:stretch>
+        </p:blipFill>
+        <p:spPr bwMode="auto">
+          <a:xfrm>
+            <a:off x="539552" y="2276872"/>
+            <a:ext cx="4267200" cy="3629025"/>
+          </a:xfrm>
+          <a:prstGeom prst="rect">
+            <a:avLst/>
+          </a:prstGeom>
+          <a:noFill/>
+          <a:ln w="9525">
+            <a:noFill/>
+            <a:miter lim="800000"/>
+            <a:headEnd/>
+            <a:tailEnd/>
+          </a:ln>
+        </p:spPr>
+      </p:pic>
     </p:spTree>
   </p:cSld>
   <p:clrMapOvr>
@@ -6717,7 +6884,7 @@
           <a:p>
             <a:r>
               <a:rPr lang="zh-CN" altLang="en-US" dirty="0" smtClean="0"/>
-              <a:t>设备信息</a:t>
+              <a:t>公司信息</a:t>
             </a:r>
             <a:endParaRPr lang="zh-CN" altLang="en-US" dirty="0"/>
           </a:p>
@@ -6732,7 +6899,7 @@
           <p:nvPr/>
         </p:nvPicPr>
         <p:blipFill>
-          <a:blip r:embed="rId2" cstate="print"/>
+          <a:blip r:embed="rId3" cstate="print"/>
           <a:srcRect/>
           <a:stretch>
             <a:fillRect/>
@@ -6740,8 +6907,8 @@
         </p:blipFill>
         <p:spPr bwMode="auto">
           <a:xfrm>
-            <a:off x="0" y="1484784"/>
-            <a:ext cx="5809135" cy="4248472"/>
+            <a:off x="323528" y="1628800"/>
+            <a:ext cx="7915275" cy="3438525"/>
           </a:xfrm>
           <a:prstGeom prst="rect">
             <a:avLst/>
